--- a/Documents/licart.pptx
+++ b/Documents/licart.pptx
@@ -109,6 +109,11 @@
       </a:defRPr>
     </a:lvl9pPr>
   </p:defaultTextStyle>
+  <p:extLst>
+    <p:ext uri="{EFAFB233-063F-42B5-8137-9DF3F51BA10A}">
+      <p15:sldGuideLst xmlns:p15="http://schemas.microsoft.com/office/powerpoint/2012/main"/>
+    </p:ext>
+  </p:extLst>
 </p:presentation>
 </file>
 
@@ -243,7 +248,7 @@
           <a:p>
             <a:fld id="{89118853-9688-4D3D-BC78-5C03EB5BD2E8}" type="datetimeFigureOut">
               <a:rPr lang="en-US" smtClean="0"/>
-              <a:t>6/1/2025</a:t>
+              <a:t>6/2/2025</a:t>
             </a:fld>
             <a:endParaRPr lang="en-US"/>
           </a:p>
@@ -413,7 +418,7 @@
           <a:p>
             <a:fld id="{89118853-9688-4D3D-BC78-5C03EB5BD2E8}" type="datetimeFigureOut">
               <a:rPr lang="en-US" smtClean="0"/>
-              <a:t>6/1/2025</a:t>
+              <a:t>6/2/2025</a:t>
             </a:fld>
             <a:endParaRPr lang="en-US"/>
           </a:p>
@@ -593,7 +598,7 @@
           <a:p>
             <a:fld id="{89118853-9688-4D3D-BC78-5C03EB5BD2E8}" type="datetimeFigureOut">
               <a:rPr lang="en-US" smtClean="0"/>
-              <a:t>6/1/2025</a:t>
+              <a:t>6/2/2025</a:t>
             </a:fld>
             <a:endParaRPr lang="en-US"/>
           </a:p>
@@ -763,7 +768,7 @@
           <a:p>
             <a:fld id="{89118853-9688-4D3D-BC78-5C03EB5BD2E8}" type="datetimeFigureOut">
               <a:rPr lang="en-US" smtClean="0"/>
-              <a:t>6/1/2025</a:t>
+              <a:t>6/2/2025</a:t>
             </a:fld>
             <a:endParaRPr lang="en-US"/>
           </a:p>
@@ -1009,7 +1014,7 @@
           <a:p>
             <a:fld id="{89118853-9688-4D3D-BC78-5C03EB5BD2E8}" type="datetimeFigureOut">
               <a:rPr lang="en-US" smtClean="0"/>
-              <a:t>6/1/2025</a:t>
+              <a:t>6/2/2025</a:t>
             </a:fld>
             <a:endParaRPr lang="en-US"/>
           </a:p>
@@ -1241,7 +1246,7 @@
           <a:p>
             <a:fld id="{89118853-9688-4D3D-BC78-5C03EB5BD2E8}" type="datetimeFigureOut">
               <a:rPr lang="en-US" smtClean="0"/>
-              <a:t>6/1/2025</a:t>
+              <a:t>6/2/2025</a:t>
             </a:fld>
             <a:endParaRPr lang="en-US"/>
           </a:p>
@@ -1608,7 +1613,7 @@
           <a:p>
             <a:fld id="{89118853-9688-4D3D-BC78-5C03EB5BD2E8}" type="datetimeFigureOut">
               <a:rPr lang="en-US" smtClean="0"/>
-              <a:t>6/1/2025</a:t>
+              <a:t>6/2/2025</a:t>
             </a:fld>
             <a:endParaRPr lang="en-US"/>
           </a:p>
@@ -1726,7 +1731,7 @@
           <a:p>
             <a:fld id="{89118853-9688-4D3D-BC78-5C03EB5BD2E8}" type="datetimeFigureOut">
               <a:rPr lang="en-US" smtClean="0"/>
-              <a:t>6/1/2025</a:t>
+              <a:t>6/2/2025</a:t>
             </a:fld>
             <a:endParaRPr lang="en-US"/>
           </a:p>
@@ -1821,7 +1826,7 @@
           <a:p>
             <a:fld id="{89118853-9688-4D3D-BC78-5C03EB5BD2E8}" type="datetimeFigureOut">
               <a:rPr lang="en-US" smtClean="0"/>
-              <a:t>6/1/2025</a:t>
+              <a:t>6/2/2025</a:t>
             </a:fld>
             <a:endParaRPr lang="en-US"/>
           </a:p>
@@ -2098,7 +2103,7 @@
           <a:p>
             <a:fld id="{89118853-9688-4D3D-BC78-5C03EB5BD2E8}" type="datetimeFigureOut">
               <a:rPr lang="en-US" smtClean="0"/>
-              <a:t>6/1/2025</a:t>
+              <a:t>6/2/2025</a:t>
             </a:fld>
             <a:endParaRPr lang="en-US"/>
           </a:p>
@@ -2355,7 +2360,7 @@
           <a:p>
             <a:fld id="{89118853-9688-4D3D-BC78-5C03EB5BD2E8}" type="datetimeFigureOut">
               <a:rPr lang="en-US" smtClean="0"/>
-              <a:t>6/1/2025</a:t>
+              <a:t>6/2/2025</a:t>
             </a:fld>
             <a:endParaRPr lang="en-US"/>
           </a:p>
@@ -2568,7 +2573,7 @@
           <a:p>
             <a:fld id="{89118853-9688-4D3D-BC78-5C03EB5BD2E8}" type="datetimeFigureOut">
               <a:rPr lang="en-US" smtClean="0"/>
-              <a:t>6/1/2025</a:t>
+              <a:t>6/2/2025</a:t>
             </a:fld>
             <a:endParaRPr lang="en-US"/>
           </a:p>
@@ -22953,66 +22958,12 @@
           </a:prstGeom>
         </p:spPr>
       </p:pic>
-      <p:sp>
-        <p:nvSpPr>
-          <p:cNvPr id="9" name="Rectangle: Rounded Corners 8">
+      <p:grpSp>
+        <p:nvGrpSpPr>
+          <p:cNvPr id="18" name="Group 17">
             <a:extLst>
               <a:ext uri="{FF2B5EF4-FFF2-40B4-BE49-F238E27FC236}">
-                <a16:creationId xmlns:a16="http://schemas.microsoft.com/office/drawing/2014/main" id="{6782A1E2-1D44-64D7-55DC-C387437670A5}"/>
-              </a:ext>
-            </a:extLst>
-          </p:cNvPr>
-          <p:cNvSpPr/>
-          <p:nvPr/>
-        </p:nvSpPr>
-        <p:spPr>
-          <a:xfrm>
-            <a:off x="8818517" y="5128260"/>
-            <a:ext cx="1920919" cy="563880"/>
-          </a:xfrm>
-          <a:prstGeom prst="roundRect">
-            <a:avLst/>
-          </a:prstGeom>
-          <a:solidFill>
-            <a:schemeClr val="bg1">
-              <a:lumMod val="65000"/>
-            </a:schemeClr>
-          </a:solidFill>
-          <a:ln>
-            <a:noFill/>
-          </a:ln>
-        </p:spPr>
-        <p:style>
-          <a:lnRef idx="2">
-            <a:schemeClr val="accent1">
-              <a:shade val="15000"/>
-            </a:schemeClr>
-          </a:lnRef>
-          <a:fillRef idx="1">
-            <a:schemeClr val="accent1"/>
-          </a:fillRef>
-          <a:effectRef idx="0">
-            <a:schemeClr val="accent1"/>
-          </a:effectRef>
-          <a:fontRef idx="minor">
-            <a:schemeClr val="lt1"/>
-          </a:fontRef>
-        </p:style>
-        <p:txBody>
-          <a:bodyPr rtlCol="0" anchor="ctr"/>
-          <a:lstStyle/>
-          <a:p>
-            <a:pPr algn="ctr"/>
-            <a:endParaRPr lang="en-US"/>
-          </a:p>
-        </p:txBody>
-      </p:sp>
-      <p:grpSp>
-        <p:nvGrpSpPr>
-          <p:cNvPr id="12" name="Group 11">
-            <a:extLst>
-              <a:ext uri="{FF2B5EF4-FFF2-40B4-BE49-F238E27FC236}">
-                <a16:creationId xmlns:a16="http://schemas.microsoft.com/office/drawing/2014/main" id="{F8D6B24F-12C4-D138-6119-07084C5F0BD1}"/>
+                <a16:creationId xmlns:a16="http://schemas.microsoft.com/office/drawing/2014/main" id="{4B288201-F602-C9FA-23BB-301AA85CA6C4}"/>
               </a:ext>
             </a:extLst>
           </p:cNvPr>
@@ -23021,18 +22972,18 @@
         </p:nvGrpSpPr>
         <p:grpSpPr>
           <a:xfrm>
-            <a:off x="8818516" y="6498032"/>
-            <a:ext cx="1920920" cy="855982"/>
-            <a:chOff x="8823279" y="6498032"/>
-            <a:chExt cx="1920920" cy="855982"/>
+            <a:off x="8818517" y="5142549"/>
+            <a:ext cx="1920919" cy="563880"/>
+            <a:chOff x="8818517" y="5128260"/>
+            <a:chExt cx="1920919" cy="563880"/>
           </a:xfrm>
         </p:grpSpPr>
         <p:sp>
           <p:nvSpPr>
-            <p:cNvPr id="10" name="Rectangle: Rounded Corners 9">
+            <p:cNvPr id="9" name="Rectangle: Rounded Corners 8">
               <a:extLst>
                 <a:ext uri="{FF2B5EF4-FFF2-40B4-BE49-F238E27FC236}">
-                  <a16:creationId xmlns:a16="http://schemas.microsoft.com/office/drawing/2014/main" id="{1D68907A-25A8-0EDA-AE1C-741961B59CC3}"/>
+                  <a16:creationId xmlns:a16="http://schemas.microsoft.com/office/drawing/2014/main" id="{6782A1E2-1D44-64D7-55DC-C387437670A5}"/>
                 </a:ext>
               </a:extLst>
             </p:cNvPr>
@@ -23041,7 +22992,7 @@
           </p:nvSpPr>
           <p:spPr>
             <a:xfrm>
-              <a:off x="8823280" y="6790134"/>
+              <a:off x="8818517" y="5128260"/>
               <a:ext cx="1920919" cy="563880"/>
             </a:xfrm>
             <a:prstGeom prst="roundRect">
@@ -23083,10 +23034,10 @@
         </p:sp>
         <p:sp>
           <p:nvSpPr>
-            <p:cNvPr id="11" name="Rectangle 10">
+            <p:cNvPr id="16" name="Rectangle 15">
               <a:extLst>
                 <a:ext uri="{FF2B5EF4-FFF2-40B4-BE49-F238E27FC236}">
-                  <a16:creationId xmlns:a16="http://schemas.microsoft.com/office/drawing/2014/main" id="{0DDD0437-6A20-83CD-C70B-B3BF5A724DD9}"/>
+                  <a16:creationId xmlns:a16="http://schemas.microsoft.com/office/drawing/2014/main" id="{8B3A8CEA-9809-B7D0-52E3-7CB69ADC1229}"/>
                 </a:ext>
               </a:extLst>
             </p:cNvPr>
@@ -23095,8 +23046,8 @@
           </p:nvSpPr>
           <p:spPr>
             <a:xfrm>
-              <a:off x="8823279" y="6498032"/>
-              <a:ext cx="1920919" cy="436168"/>
+              <a:off x="8982075" y="5128260"/>
+              <a:ext cx="1757360" cy="563880"/>
             </a:xfrm>
             <a:prstGeom prst="rect">
               <a:avLst/>
@@ -23138,10 +23089,10 @@
       </p:grpSp>
       <p:grpSp>
         <p:nvGrpSpPr>
-          <p:cNvPr id="13" name="Group 12">
+          <p:cNvPr id="28" name="Group 27">
             <a:extLst>
               <a:ext uri="{FF2B5EF4-FFF2-40B4-BE49-F238E27FC236}">
-                <a16:creationId xmlns:a16="http://schemas.microsoft.com/office/drawing/2014/main" id="{7B8DD54F-FB24-8200-83F9-299CE05F890A}"/>
+                <a16:creationId xmlns:a16="http://schemas.microsoft.com/office/drawing/2014/main" id="{E0B72B04-3B1C-8BFD-9221-568AB1B07AB2}"/>
               </a:ext>
             </a:extLst>
           </p:cNvPr>
@@ -23150,18 +23101,147 @@
         </p:nvGrpSpPr>
         <p:grpSpPr>
           <a:xfrm>
-            <a:off x="8818516" y="8032194"/>
-            <a:ext cx="1920920" cy="563880"/>
-            <a:chOff x="8823279" y="6498032"/>
-            <a:chExt cx="1920920" cy="855982"/>
+            <a:off x="8818514" y="6281735"/>
+            <a:ext cx="1920920" cy="1014415"/>
+            <a:chOff x="8818514" y="6281735"/>
+            <a:chExt cx="1920920" cy="1014415"/>
           </a:xfrm>
         </p:grpSpPr>
+        <p:grpSp>
+          <p:nvGrpSpPr>
+            <p:cNvPr id="24" name="Group 23">
+              <a:extLst>
+                <a:ext uri="{FF2B5EF4-FFF2-40B4-BE49-F238E27FC236}">
+                  <a16:creationId xmlns:a16="http://schemas.microsoft.com/office/drawing/2014/main" id="{946E236C-5E4D-00F3-CFEF-66DBD0B04905}"/>
+                </a:ext>
+              </a:extLst>
+            </p:cNvPr>
+            <p:cNvGrpSpPr/>
+            <p:nvPr/>
+          </p:nvGrpSpPr>
+          <p:grpSpPr>
+            <a:xfrm>
+              <a:off x="8818515" y="6281735"/>
+              <a:ext cx="1920919" cy="1014415"/>
+              <a:chOff x="8818517" y="5128260"/>
+              <a:chExt cx="1920919" cy="563880"/>
+            </a:xfrm>
+          </p:grpSpPr>
+          <p:sp>
+            <p:nvSpPr>
+              <p:cNvPr id="25" name="Rectangle: Rounded Corners 24">
+                <a:extLst>
+                  <a:ext uri="{FF2B5EF4-FFF2-40B4-BE49-F238E27FC236}">
+                    <a16:creationId xmlns:a16="http://schemas.microsoft.com/office/drawing/2014/main" id="{4A88AD08-0A2A-4408-2DDD-9EFB0233FBAE}"/>
+                  </a:ext>
+                </a:extLst>
+              </p:cNvPr>
+              <p:cNvSpPr/>
+              <p:nvPr/>
+            </p:nvSpPr>
+            <p:spPr>
+              <a:xfrm>
+                <a:off x="8818517" y="5128260"/>
+                <a:ext cx="1920919" cy="563880"/>
+              </a:xfrm>
+              <a:prstGeom prst="roundRect">
+                <a:avLst/>
+              </a:prstGeom>
+              <a:solidFill>
+                <a:schemeClr val="bg1">
+                  <a:lumMod val="65000"/>
+                </a:schemeClr>
+              </a:solidFill>
+              <a:ln>
+                <a:noFill/>
+              </a:ln>
+            </p:spPr>
+            <p:style>
+              <a:lnRef idx="2">
+                <a:schemeClr val="accent1">
+                  <a:shade val="15000"/>
+                </a:schemeClr>
+              </a:lnRef>
+              <a:fillRef idx="1">
+                <a:schemeClr val="accent1"/>
+              </a:fillRef>
+              <a:effectRef idx="0">
+                <a:schemeClr val="accent1"/>
+              </a:effectRef>
+              <a:fontRef idx="minor">
+                <a:schemeClr val="lt1"/>
+              </a:fontRef>
+            </p:style>
+            <p:txBody>
+              <a:bodyPr rtlCol="0" anchor="ctr"/>
+              <a:lstStyle/>
+              <a:p>
+                <a:pPr algn="ctr"/>
+                <a:endParaRPr lang="en-US"/>
+              </a:p>
+            </p:txBody>
+          </p:sp>
+          <p:sp>
+            <p:nvSpPr>
+              <p:cNvPr id="26" name="Rectangle 25">
+                <a:extLst>
+                  <a:ext uri="{FF2B5EF4-FFF2-40B4-BE49-F238E27FC236}">
+                    <a16:creationId xmlns:a16="http://schemas.microsoft.com/office/drawing/2014/main" id="{D2B28A77-CE2C-D0F8-EDAE-D1A44D504A27}"/>
+                  </a:ext>
+                </a:extLst>
+              </p:cNvPr>
+              <p:cNvSpPr/>
+              <p:nvPr/>
+            </p:nvSpPr>
+            <p:spPr>
+              <a:xfrm>
+                <a:off x="8982075" y="5128260"/>
+                <a:ext cx="1757360" cy="563880"/>
+              </a:xfrm>
+              <a:prstGeom prst="rect">
+                <a:avLst/>
+              </a:prstGeom>
+              <a:solidFill>
+                <a:schemeClr val="bg1">
+                  <a:lumMod val="65000"/>
+                </a:schemeClr>
+              </a:solidFill>
+              <a:ln>
+                <a:noFill/>
+              </a:ln>
+            </p:spPr>
+            <p:style>
+              <a:lnRef idx="2">
+                <a:schemeClr val="accent1">
+                  <a:shade val="15000"/>
+                </a:schemeClr>
+              </a:lnRef>
+              <a:fillRef idx="1">
+                <a:schemeClr val="accent1"/>
+              </a:fillRef>
+              <a:effectRef idx="0">
+                <a:schemeClr val="accent1"/>
+              </a:effectRef>
+              <a:fontRef idx="minor">
+                <a:schemeClr val="lt1"/>
+              </a:fontRef>
+            </p:style>
+            <p:txBody>
+              <a:bodyPr rtlCol="0" anchor="ctr"/>
+              <a:lstStyle/>
+              <a:p>
+                <a:pPr algn="ctr"/>
+                <a:endParaRPr lang="en-US" dirty="0"/>
+              </a:p>
+            </p:txBody>
+          </p:sp>
+        </p:grpSp>
         <p:sp>
           <p:nvSpPr>
-            <p:cNvPr id="14" name="Rectangle: Rounded Corners 13">
+            <p:cNvPr id="27" name="Rectangle 26">
               <a:extLst>
                 <a:ext uri="{FF2B5EF4-FFF2-40B4-BE49-F238E27FC236}">
-                  <a16:creationId xmlns:a16="http://schemas.microsoft.com/office/drawing/2014/main" id="{14E09697-2E74-682C-E750-64AEFBEAC9F7}"/>
+                  <a16:creationId xmlns:a16="http://schemas.microsoft.com/office/drawing/2014/main" id="{43EC9E2E-DC5E-B02B-F32E-5E485368D5C3}"/>
                 </a:ext>
               </a:extLst>
             </p:cNvPr>
@@ -23170,62 +23250,8 @@
           </p:nvSpPr>
           <p:spPr>
             <a:xfrm>
-              <a:off x="8823280" y="6790134"/>
-              <a:ext cx="1920919" cy="563880"/>
-            </a:xfrm>
-            <a:prstGeom prst="roundRect">
-              <a:avLst/>
-            </a:prstGeom>
-            <a:solidFill>
-              <a:schemeClr val="bg1">
-                <a:lumMod val="65000"/>
-              </a:schemeClr>
-            </a:solidFill>
-            <a:ln>
-              <a:noFill/>
-            </a:ln>
-          </p:spPr>
-          <p:style>
-            <a:lnRef idx="2">
-              <a:schemeClr val="accent1">
-                <a:shade val="15000"/>
-              </a:schemeClr>
-            </a:lnRef>
-            <a:fillRef idx="1">
-              <a:schemeClr val="accent1"/>
-            </a:fillRef>
-            <a:effectRef idx="0">
-              <a:schemeClr val="accent1"/>
-            </a:effectRef>
-            <a:fontRef idx="minor">
-              <a:schemeClr val="lt1"/>
-            </a:fontRef>
-          </p:style>
-          <p:txBody>
-            <a:bodyPr rtlCol="0" anchor="ctr"/>
-            <a:lstStyle/>
-            <a:p>
-              <a:pPr algn="ctr"/>
-              <a:endParaRPr lang="en-US"/>
-            </a:p>
-          </p:txBody>
-        </p:sp>
-        <p:sp>
-          <p:nvSpPr>
-            <p:cNvPr id="15" name="Rectangle 14">
-              <a:extLst>
-                <a:ext uri="{FF2B5EF4-FFF2-40B4-BE49-F238E27FC236}">
-                  <a16:creationId xmlns:a16="http://schemas.microsoft.com/office/drawing/2014/main" id="{FF89FD1C-20F6-4E7E-8678-98A1EF7BAD2D}"/>
-                </a:ext>
-              </a:extLst>
-            </p:cNvPr>
-            <p:cNvSpPr/>
-            <p:nvPr/>
-          </p:nvSpPr>
-          <p:spPr>
-            <a:xfrm>
-              <a:off x="8823279" y="6498032"/>
-              <a:ext cx="1920919" cy="436168"/>
+              <a:off x="8818514" y="6281735"/>
+              <a:ext cx="890742" cy="563881"/>
             </a:xfrm>
             <a:prstGeom prst="rect">
               <a:avLst/>
@@ -23260,17 +23286,1082 @@
             <a:lstStyle/>
             <a:p>
               <a:pPr algn="ctr"/>
+              <a:endParaRPr lang="en-US" dirty="0"/>
+            </a:p>
+          </p:txBody>
+        </p:sp>
+      </p:grpSp>
+      <p:grpSp>
+        <p:nvGrpSpPr>
+          <p:cNvPr id="29" name="Group 28">
+            <a:extLst>
+              <a:ext uri="{FF2B5EF4-FFF2-40B4-BE49-F238E27FC236}">
+                <a16:creationId xmlns:a16="http://schemas.microsoft.com/office/drawing/2014/main" id="{A0342C60-587B-7B9E-AE46-7F3EE35D32E9}"/>
+              </a:ext>
+            </a:extLst>
+          </p:cNvPr>
+          <p:cNvGrpSpPr/>
+          <p:nvPr/>
+        </p:nvGrpSpPr>
+        <p:grpSpPr>
+          <a:xfrm>
+            <a:off x="8818513" y="7886700"/>
+            <a:ext cx="1920920" cy="688975"/>
+            <a:chOff x="8818514" y="6281735"/>
+            <a:chExt cx="1920920" cy="1014415"/>
+          </a:xfrm>
+        </p:grpSpPr>
+        <p:grpSp>
+          <p:nvGrpSpPr>
+            <p:cNvPr id="30" name="Group 29">
+              <a:extLst>
+                <a:ext uri="{FF2B5EF4-FFF2-40B4-BE49-F238E27FC236}">
+                  <a16:creationId xmlns:a16="http://schemas.microsoft.com/office/drawing/2014/main" id="{EABC5877-218E-E623-81AD-BE62509A0A14}"/>
+                </a:ext>
+              </a:extLst>
+            </p:cNvPr>
+            <p:cNvGrpSpPr/>
+            <p:nvPr/>
+          </p:nvGrpSpPr>
+          <p:grpSpPr>
+            <a:xfrm>
+              <a:off x="8818515" y="6281735"/>
+              <a:ext cx="1920919" cy="1014415"/>
+              <a:chOff x="8818517" y="5128260"/>
+              <a:chExt cx="1920919" cy="563880"/>
+            </a:xfrm>
+          </p:grpSpPr>
+          <p:sp>
+            <p:nvSpPr>
+              <p:cNvPr id="32" name="Rectangle: Rounded Corners 31">
+                <a:extLst>
+                  <a:ext uri="{FF2B5EF4-FFF2-40B4-BE49-F238E27FC236}">
+                    <a16:creationId xmlns:a16="http://schemas.microsoft.com/office/drawing/2014/main" id="{18D7A912-F0A9-90A1-B733-1322CA367E52}"/>
+                  </a:ext>
+                </a:extLst>
+              </p:cNvPr>
+              <p:cNvSpPr/>
+              <p:nvPr/>
+            </p:nvSpPr>
+            <p:spPr>
+              <a:xfrm>
+                <a:off x="8818517" y="5128260"/>
+                <a:ext cx="1920919" cy="563880"/>
+              </a:xfrm>
+              <a:prstGeom prst="roundRect">
+                <a:avLst/>
+              </a:prstGeom>
+              <a:solidFill>
+                <a:schemeClr val="bg1">
+                  <a:lumMod val="65000"/>
+                </a:schemeClr>
+              </a:solidFill>
+              <a:ln>
+                <a:noFill/>
+              </a:ln>
+            </p:spPr>
+            <p:style>
+              <a:lnRef idx="2">
+                <a:schemeClr val="accent1">
+                  <a:shade val="15000"/>
+                </a:schemeClr>
+              </a:lnRef>
+              <a:fillRef idx="1">
+                <a:schemeClr val="accent1"/>
+              </a:fillRef>
+              <a:effectRef idx="0">
+                <a:schemeClr val="accent1"/>
+              </a:effectRef>
+              <a:fontRef idx="minor">
+                <a:schemeClr val="lt1"/>
+              </a:fontRef>
+            </p:style>
+            <p:txBody>
+              <a:bodyPr rtlCol="0" anchor="ctr"/>
+              <a:lstStyle/>
+              <a:p>
+                <a:pPr algn="ctr"/>
+                <a:endParaRPr lang="en-US"/>
+              </a:p>
+            </p:txBody>
+          </p:sp>
+          <p:sp>
+            <p:nvSpPr>
+              <p:cNvPr id="33" name="Rectangle 32">
+                <a:extLst>
+                  <a:ext uri="{FF2B5EF4-FFF2-40B4-BE49-F238E27FC236}">
+                    <a16:creationId xmlns:a16="http://schemas.microsoft.com/office/drawing/2014/main" id="{A9D34AC3-C7DD-73E9-CE42-36F25012A6A5}"/>
+                  </a:ext>
+                </a:extLst>
+              </p:cNvPr>
+              <p:cNvSpPr/>
+              <p:nvPr/>
+            </p:nvSpPr>
+            <p:spPr>
+              <a:xfrm>
+                <a:off x="8982075" y="5128260"/>
+                <a:ext cx="1757360" cy="563880"/>
+              </a:xfrm>
+              <a:prstGeom prst="rect">
+                <a:avLst/>
+              </a:prstGeom>
+              <a:solidFill>
+                <a:schemeClr val="bg1">
+                  <a:lumMod val="65000"/>
+                </a:schemeClr>
+              </a:solidFill>
+              <a:ln>
+                <a:noFill/>
+              </a:ln>
+            </p:spPr>
+            <p:style>
+              <a:lnRef idx="2">
+                <a:schemeClr val="accent1">
+                  <a:shade val="15000"/>
+                </a:schemeClr>
+              </a:lnRef>
+              <a:fillRef idx="1">
+                <a:schemeClr val="accent1"/>
+              </a:fillRef>
+              <a:effectRef idx="0">
+                <a:schemeClr val="accent1"/>
+              </a:effectRef>
+              <a:fontRef idx="minor">
+                <a:schemeClr val="lt1"/>
+              </a:fontRef>
+            </p:style>
+            <p:txBody>
+              <a:bodyPr rtlCol="0" anchor="ctr"/>
+              <a:lstStyle/>
+              <a:p>
+                <a:pPr algn="ctr"/>
+                <a:endParaRPr lang="en-US" dirty="0"/>
+              </a:p>
+            </p:txBody>
+          </p:sp>
+        </p:grpSp>
+        <p:sp>
+          <p:nvSpPr>
+            <p:cNvPr id="31" name="Rectangle 30">
+              <a:extLst>
+                <a:ext uri="{FF2B5EF4-FFF2-40B4-BE49-F238E27FC236}">
+                  <a16:creationId xmlns:a16="http://schemas.microsoft.com/office/drawing/2014/main" id="{D8D6184E-2987-1EDC-F6EC-3EBA930B2FDB}"/>
+                </a:ext>
+              </a:extLst>
+            </p:cNvPr>
+            <p:cNvSpPr/>
+            <p:nvPr/>
+          </p:nvSpPr>
+          <p:spPr>
+            <a:xfrm>
+              <a:off x="8818514" y="6281735"/>
+              <a:ext cx="890742" cy="563881"/>
+            </a:xfrm>
+            <a:prstGeom prst="rect">
+              <a:avLst/>
+            </a:prstGeom>
+            <a:solidFill>
+              <a:schemeClr val="bg1">
+                <a:lumMod val="65000"/>
+              </a:schemeClr>
+            </a:solidFill>
+            <a:ln>
+              <a:noFill/>
+            </a:ln>
+          </p:spPr>
+          <p:style>
+            <a:lnRef idx="2">
+              <a:schemeClr val="accent1">
+                <a:shade val="15000"/>
+              </a:schemeClr>
+            </a:lnRef>
+            <a:fillRef idx="1">
+              <a:schemeClr val="accent1"/>
+            </a:fillRef>
+            <a:effectRef idx="0">
+              <a:schemeClr val="accent1"/>
+            </a:effectRef>
+            <a:fontRef idx="minor">
+              <a:schemeClr val="lt1"/>
+            </a:fontRef>
+          </p:style>
+          <p:txBody>
+            <a:bodyPr rtlCol="0" anchor="ctr"/>
+            <a:lstStyle/>
+            <a:p>
+              <a:pPr algn="ctr"/>
+              <a:endParaRPr lang="en-US" dirty="0"/>
+            </a:p>
+          </p:txBody>
+        </p:sp>
+      </p:grpSp>
+      <p:pic>
+        <p:nvPicPr>
+          <p:cNvPr id="36" name="Picture 35" descr="A grey barrel with a black background&#10;&#10;AI-generated content may be incorrect.">
+            <a:extLst>
+              <a:ext uri="{FF2B5EF4-FFF2-40B4-BE49-F238E27FC236}">
+                <a16:creationId xmlns:a16="http://schemas.microsoft.com/office/drawing/2014/main" id="{8DD6A0FF-CB31-26D5-CDFA-F0518E000548}"/>
+              </a:ext>
+            </a:extLst>
+          </p:cNvPr>
+          <p:cNvPicPr>
+            <a:picLocks noChangeAspect="1"/>
+          </p:cNvPicPr>
+          <p:nvPr/>
+        </p:nvPicPr>
+        <p:blipFill>
+          <a:blip r:embed="rId4">
+            <a:extLst>
+              <a:ext uri="{28A0092B-C50C-407E-A947-70E740481C1C}">
+                <a14:useLocalDpi xmlns:a14="http://schemas.microsoft.com/office/drawing/2010/main" val="0"/>
+              </a:ext>
+            </a:extLst>
+          </a:blip>
+          <a:srcRect t="68705"/>
+          <a:stretch/>
+        </p:blipFill>
+        <p:spPr>
+          <a:xfrm>
+            <a:off x="11831952" y="8664575"/>
+            <a:ext cx="4189655" cy="1718699"/>
+          </a:xfrm>
+          <a:prstGeom prst="rect">
+            <a:avLst/>
+          </a:prstGeom>
+        </p:spPr>
+      </p:pic>
+      <p:pic>
+        <p:nvPicPr>
+          <p:cNvPr id="37" name="Picture 36" descr="A grey barrel with a black background&#10;&#10;AI-generated content may be incorrect.">
+            <a:extLst>
+              <a:ext uri="{FF2B5EF4-FFF2-40B4-BE49-F238E27FC236}">
+                <a16:creationId xmlns:a16="http://schemas.microsoft.com/office/drawing/2014/main" id="{79C18C29-7991-F2E3-8460-26B30799CE85}"/>
+              </a:ext>
+            </a:extLst>
+          </p:cNvPr>
+          <p:cNvPicPr>
+            <a:picLocks noChangeAspect="1"/>
+          </p:cNvPicPr>
+          <p:nvPr/>
+        </p:nvPicPr>
+        <p:blipFill>
+          <a:blip r:embed="rId4">
+            <a:extLst>
+              <a:ext uri="{28A0092B-C50C-407E-A947-70E740481C1C}">
+                <a14:useLocalDpi xmlns:a14="http://schemas.microsoft.com/office/drawing/2010/main" val="0"/>
+              </a:ext>
+            </a:extLst>
+          </a:blip>
+          <a:srcRect l="-455" t="40512" r="455" b="30968"/>
+          <a:stretch/>
+        </p:blipFill>
+        <p:spPr>
+          <a:xfrm>
+            <a:off x="11801855" y="7383939"/>
+            <a:ext cx="4189655" cy="1566299"/>
+          </a:xfrm>
+          <a:prstGeom prst="rect">
+            <a:avLst/>
+          </a:prstGeom>
+        </p:spPr>
+      </p:pic>
+      <p:pic>
+        <p:nvPicPr>
+          <p:cNvPr id="38" name="Picture 37" descr="A grey barrel with a black background&#10;&#10;AI-generated content may be incorrect.">
+            <a:extLst>
+              <a:ext uri="{FF2B5EF4-FFF2-40B4-BE49-F238E27FC236}">
+                <a16:creationId xmlns:a16="http://schemas.microsoft.com/office/drawing/2014/main" id="{16CE63BD-6EFF-83FA-0742-E9243B1D315C}"/>
+              </a:ext>
+            </a:extLst>
+          </p:cNvPr>
+          <p:cNvPicPr>
+            <a:picLocks noChangeAspect="1"/>
+          </p:cNvPicPr>
+          <p:nvPr/>
+        </p:nvPicPr>
+        <p:blipFill>
+          <a:blip r:embed="rId4">
+            <a:extLst>
+              <a:ext uri="{28A0092B-C50C-407E-A947-70E740481C1C}">
+                <a14:useLocalDpi xmlns:a14="http://schemas.microsoft.com/office/drawing/2010/main" val="0"/>
+              </a:ext>
+            </a:extLst>
+          </a:blip>
+          <a:srcRect t="9640" b="61840"/>
+          <a:stretch/>
+        </p:blipFill>
+        <p:spPr>
+          <a:xfrm>
+            <a:off x="11831952" y="5950903"/>
+            <a:ext cx="4189655" cy="1566299"/>
+          </a:xfrm>
+          <a:prstGeom prst="rect">
+            <a:avLst/>
+          </a:prstGeom>
+        </p:spPr>
+      </p:pic>
+      <p:grpSp>
+        <p:nvGrpSpPr>
+          <p:cNvPr id="39" name="Group 38">
+            <a:extLst>
+              <a:ext uri="{FF2B5EF4-FFF2-40B4-BE49-F238E27FC236}">
+                <a16:creationId xmlns:a16="http://schemas.microsoft.com/office/drawing/2014/main" id="{163BFFE0-00AC-6707-C78E-F4B3DDAB2121}"/>
+              </a:ext>
+            </a:extLst>
+          </p:cNvPr>
+          <p:cNvGrpSpPr/>
+          <p:nvPr/>
+        </p:nvGrpSpPr>
+        <p:grpSpPr>
+          <a:xfrm>
+            <a:off x="13198787" y="6704013"/>
+            <a:ext cx="1729188" cy="312692"/>
+            <a:chOff x="8818517" y="5128260"/>
+            <a:chExt cx="1920919" cy="563880"/>
+          </a:xfrm>
+          <a:solidFill>
+            <a:schemeClr val="bg1">
+              <a:lumMod val="75000"/>
+            </a:schemeClr>
+          </a:solidFill>
+        </p:grpSpPr>
+        <p:sp>
+          <p:nvSpPr>
+            <p:cNvPr id="40" name="Rectangle: Rounded Corners 39">
+              <a:extLst>
+                <a:ext uri="{FF2B5EF4-FFF2-40B4-BE49-F238E27FC236}">
+                  <a16:creationId xmlns:a16="http://schemas.microsoft.com/office/drawing/2014/main" id="{945A3705-3F65-F6EE-A76C-811716C4F790}"/>
+                </a:ext>
+              </a:extLst>
+            </p:cNvPr>
+            <p:cNvSpPr/>
+            <p:nvPr/>
+          </p:nvSpPr>
+          <p:spPr>
+            <a:xfrm>
+              <a:off x="8818517" y="5128260"/>
+              <a:ext cx="1920919" cy="563880"/>
+            </a:xfrm>
+            <a:prstGeom prst="roundRect">
+              <a:avLst/>
+            </a:prstGeom>
+            <a:grpFill/>
+            <a:ln>
+              <a:noFill/>
+            </a:ln>
+          </p:spPr>
+          <p:style>
+            <a:lnRef idx="2">
+              <a:schemeClr val="accent1">
+                <a:shade val="15000"/>
+              </a:schemeClr>
+            </a:lnRef>
+            <a:fillRef idx="1">
+              <a:schemeClr val="accent1"/>
+            </a:fillRef>
+            <a:effectRef idx="0">
+              <a:schemeClr val="accent1"/>
+            </a:effectRef>
+            <a:fontRef idx="minor">
+              <a:schemeClr val="lt1"/>
+            </a:fontRef>
+          </p:style>
+          <p:txBody>
+            <a:bodyPr rtlCol="0" anchor="ctr"/>
+            <a:lstStyle/>
+            <a:p>
+              <a:pPr algn="ctr"/>
               <a:endParaRPr lang="en-US"/>
+            </a:p>
+          </p:txBody>
+        </p:sp>
+        <p:sp>
+          <p:nvSpPr>
+            <p:cNvPr id="41" name="Rectangle 40">
+              <a:extLst>
+                <a:ext uri="{FF2B5EF4-FFF2-40B4-BE49-F238E27FC236}">
+                  <a16:creationId xmlns:a16="http://schemas.microsoft.com/office/drawing/2014/main" id="{A0F2BACD-33F7-D8FA-A620-1F74C4F5D730}"/>
+                </a:ext>
+              </a:extLst>
+            </p:cNvPr>
+            <p:cNvSpPr/>
+            <p:nvPr/>
+          </p:nvSpPr>
+          <p:spPr>
+            <a:xfrm>
+              <a:off x="8982075" y="5128260"/>
+              <a:ext cx="1757360" cy="563880"/>
+            </a:xfrm>
+            <a:prstGeom prst="rect">
+              <a:avLst/>
+            </a:prstGeom>
+            <a:grpFill/>
+            <a:ln>
+              <a:noFill/>
+            </a:ln>
+          </p:spPr>
+          <p:style>
+            <a:lnRef idx="2">
+              <a:schemeClr val="accent1">
+                <a:shade val="15000"/>
+              </a:schemeClr>
+            </a:lnRef>
+            <a:fillRef idx="1">
+              <a:schemeClr val="accent1"/>
+            </a:fillRef>
+            <a:effectRef idx="0">
+              <a:schemeClr val="accent1"/>
+            </a:effectRef>
+            <a:fontRef idx="minor">
+              <a:schemeClr val="lt1"/>
+            </a:fontRef>
+          </p:style>
+          <p:txBody>
+            <a:bodyPr rtlCol="0" anchor="ctr"/>
+            <a:lstStyle/>
+            <a:p>
+              <a:pPr algn="ctr"/>
+              <a:endParaRPr lang="en-US"/>
+            </a:p>
+          </p:txBody>
+        </p:sp>
+      </p:grpSp>
+      <p:grpSp>
+        <p:nvGrpSpPr>
+          <p:cNvPr id="45" name="Group 44">
+            <a:extLst>
+              <a:ext uri="{FF2B5EF4-FFF2-40B4-BE49-F238E27FC236}">
+                <a16:creationId xmlns:a16="http://schemas.microsoft.com/office/drawing/2014/main" id="{801064E4-CEB8-C4B2-FE5D-09F6AB94B4C7}"/>
+              </a:ext>
+            </a:extLst>
+          </p:cNvPr>
+          <p:cNvGrpSpPr/>
+          <p:nvPr/>
+        </p:nvGrpSpPr>
+        <p:grpSpPr>
+          <a:xfrm>
+            <a:off x="13198787" y="7604125"/>
+            <a:ext cx="1718140" cy="742950"/>
+            <a:chOff x="8818517" y="5128260"/>
+            <a:chExt cx="1920919" cy="563880"/>
+          </a:xfrm>
+          <a:solidFill>
+            <a:schemeClr val="bg1">
+              <a:lumMod val="75000"/>
+            </a:schemeClr>
+          </a:solidFill>
+        </p:grpSpPr>
+        <p:sp>
+          <p:nvSpPr>
+            <p:cNvPr id="47" name="Rectangle: Rounded Corners 46">
+              <a:extLst>
+                <a:ext uri="{FF2B5EF4-FFF2-40B4-BE49-F238E27FC236}">
+                  <a16:creationId xmlns:a16="http://schemas.microsoft.com/office/drawing/2014/main" id="{8B185E27-93EF-00D5-5E5C-454B95540E82}"/>
+                </a:ext>
+              </a:extLst>
+            </p:cNvPr>
+            <p:cNvSpPr/>
+            <p:nvPr/>
+          </p:nvSpPr>
+          <p:spPr>
+            <a:xfrm>
+              <a:off x="8818517" y="5128260"/>
+              <a:ext cx="1920919" cy="563880"/>
+            </a:xfrm>
+            <a:prstGeom prst="roundRect">
+              <a:avLst/>
+            </a:prstGeom>
+            <a:grpFill/>
+            <a:ln>
+              <a:noFill/>
+            </a:ln>
+          </p:spPr>
+          <p:style>
+            <a:lnRef idx="2">
+              <a:schemeClr val="accent1">
+                <a:shade val="15000"/>
+              </a:schemeClr>
+            </a:lnRef>
+            <a:fillRef idx="1">
+              <a:schemeClr val="accent1"/>
+            </a:fillRef>
+            <a:effectRef idx="0">
+              <a:schemeClr val="accent1"/>
+            </a:effectRef>
+            <a:fontRef idx="minor">
+              <a:schemeClr val="lt1"/>
+            </a:fontRef>
+          </p:style>
+          <p:txBody>
+            <a:bodyPr rtlCol="0" anchor="ctr"/>
+            <a:lstStyle/>
+            <a:p>
+              <a:pPr algn="ctr"/>
+              <a:endParaRPr lang="en-US"/>
+            </a:p>
+          </p:txBody>
+        </p:sp>
+        <p:sp>
+          <p:nvSpPr>
+            <p:cNvPr id="48" name="Rectangle 47">
+              <a:extLst>
+                <a:ext uri="{FF2B5EF4-FFF2-40B4-BE49-F238E27FC236}">
+                  <a16:creationId xmlns:a16="http://schemas.microsoft.com/office/drawing/2014/main" id="{EFB58B66-7653-AD45-6C14-938AAD4DC5CE}"/>
+                </a:ext>
+              </a:extLst>
+            </p:cNvPr>
+            <p:cNvSpPr/>
+            <p:nvPr/>
+          </p:nvSpPr>
+          <p:spPr>
+            <a:xfrm>
+              <a:off x="8982075" y="5128260"/>
+              <a:ext cx="1757360" cy="563880"/>
+            </a:xfrm>
+            <a:prstGeom prst="rect">
+              <a:avLst/>
+            </a:prstGeom>
+            <a:grpFill/>
+            <a:ln>
+              <a:noFill/>
+            </a:ln>
+          </p:spPr>
+          <p:style>
+            <a:lnRef idx="2">
+              <a:schemeClr val="accent1">
+                <a:shade val="15000"/>
+              </a:schemeClr>
+            </a:lnRef>
+            <a:fillRef idx="1">
+              <a:schemeClr val="accent1"/>
+            </a:fillRef>
+            <a:effectRef idx="0">
+              <a:schemeClr val="accent1"/>
+            </a:effectRef>
+            <a:fontRef idx="minor">
+              <a:schemeClr val="lt1"/>
+            </a:fontRef>
+          </p:style>
+          <p:txBody>
+            <a:bodyPr rtlCol="0" anchor="ctr"/>
+            <a:lstStyle/>
+            <a:p>
+              <a:pPr algn="ctr"/>
+              <a:endParaRPr lang="en-US" dirty="0"/>
+            </a:p>
+          </p:txBody>
+        </p:sp>
+      </p:grpSp>
+      <p:grpSp>
+        <p:nvGrpSpPr>
+          <p:cNvPr id="50" name="Group 49">
+            <a:extLst>
+              <a:ext uri="{FF2B5EF4-FFF2-40B4-BE49-F238E27FC236}">
+                <a16:creationId xmlns:a16="http://schemas.microsoft.com/office/drawing/2014/main" id="{E306DB5C-8BBD-F2E5-6DC4-D1A5ECE5E180}"/>
+              </a:ext>
+            </a:extLst>
+          </p:cNvPr>
+          <p:cNvGrpSpPr/>
+          <p:nvPr/>
+        </p:nvGrpSpPr>
+        <p:grpSpPr>
+          <a:xfrm>
+            <a:off x="13198787" y="8907462"/>
+            <a:ext cx="1729187" cy="472273"/>
+            <a:chOff x="8818517" y="5128260"/>
+            <a:chExt cx="1920919" cy="563880"/>
+          </a:xfrm>
+          <a:solidFill>
+            <a:schemeClr val="bg1">
+              <a:lumMod val="75000"/>
+            </a:schemeClr>
+          </a:solidFill>
+        </p:grpSpPr>
+        <p:sp>
+          <p:nvSpPr>
+            <p:cNvPr id="52" name="Rectangle: Rounded Corners 51">
+              <a:extLst>
+                <a:ext uri="{FF2B5EF4-FFF2-40B4-BE49-F238E27FC236}">
+                  <a16:creationId xmlns:a16="http://schemas.microsoft.com/office/drawing/2014/main" id="{8EEF263A-30D6-1D78-51E1-60E3D5850DC8}"/>
+                </a:ext>
+              </a:extLst>
+            </p:cNvPr>
+            <p:cNvSpPr/>
+            <p:nvPr/>
+          </p:nvSpPr>
+          <p:spPr>
+            <a:xfrm>
+              <a:off x="8818517" y="5128260"/>
+              <a:ext cx="1920919" cy="563880"/>
+            </a:xfrm>
+            <a:prstGeom prst="roundRect">
+              <a:avLst/>
+            </a:prstGeom>
+            <a:grpFill/>
+            <a:ln>
+              <a:noFill/>
+            </a:ln>
+          </p:spPr>
+          <p:style>
+            <a:lnRef idx="2">
+              <a:schemeClr val="accent1">
+                <a:shade val="15000"/>
+              </a:schemeClr>
+            </a:lnRef>
+            <a:fillRef idx="1">
+              <a:schemeClr val="accent1"/>
+            </a:fillRef>
+            <a:effectRef idx="0">
+              <a:schemeClr val="accent1"/>
+            </a:effectRef>
+            <a:fontRef idx="minor">
+              <a:schemeClr val="lt1"/>
+            </a:fontRef>
+          </p:style>
+          <p:txBody>
+            <a:bodyPr rtlCol="0" anchor="ctr"/>
+            <a:lstStyle/>
+            <a:p>
+              <a:pPr algn="ctr"/>
+              <a:endParaRPr lang="en-US"/>
+            </a:p>
+          </p:txBody>
+        </p:sp>
+        <p:sp>
+          <p:nvSpPr>
+            <p:cNvPr id="53" name="Rectangle 52">
+              <a:extLst>
+                <a:ext uri="{FF2B5EF4-FFF2-40B4-BE49-F238E27FC236}">
+                  <a16:creationId xmlns:a16="http://schemas.microsoft.com/office/drawing/2014/main" id="{D358EC7B-9F7A-2C50-C7B1-724A7164F330}"/>
+                </a:ext>
+              </a:extLst>
+            </p:cNvPr>
+            <p:cNvSpPr/>
+            <p:nvPr/>
+          </p:nvSpPr>
+          <p:spPr>
+            <a:xfrm>
+              <a:off x="8982075" y="5128260"/>
+              <a:ext cx="1757360" cy="563880"/>
+            </a:xfrm>
+            <a:prstGeom prst="rect">
+              <a:avLst/>
+            </a:prstGeom>
+            <a:grpFill/>
+            <a:ln>
+              <a:noFill/>
+            </a:ln>
+          </p:spPr>
+          <p:style>
+            <a:lnRef idx="2">
+              <a:schemeClr val="accent1">
+                <a:shade val="15000"/>
+              </a:schemeClr>
+            </a:lnRef>
+            <a:fillRef idx="1">
+              <a:schemeClr val="accent1"/>
+            </a:fillRef>
+            <a:effectRef idx="0">
+              <a:schemeClr val="accent1"/>
+            </a:effectRef>
+            <a:fontRef idx="minor">
+              <a:schemeClr val="lt1"/>
+            </a:fontRef>
+          </p:style>
+          <p:txBody>
+            <a:bodyPr rtlCol="0" anchor="ctr"/>
+            <a:lstStyle/>
+            <a:p>
+              <a:pPr algn="ctr"/>
+              <a:endParaRPr lang="en-US" dirty="0"/>
+            </a:p>
+          </p:txBody>
+        </p:sp>
+      </p:grpSp>
+      <p:grpSp>
+        <p:nvGrpSpPr>
+          <p:cNvPr id="54" name="Group 53">
+            <a:extLst>
+              <a:ext uri="{FF2B5EF4-FFF2-40B4-BE49-F238E27FC236}">
+                <a16:creationId xmlns:a16="http://schemas.microsoft.com/office/drawing/2014/main" id="{7F8E68FC-9B82-298D-361A-D508F2E0528C}"/>
+              </a:ext>
+            </a:extLst>
+          </p:cNvPr>
+          <p:cNvGrpSpPr/>
+          <p:nvPr/>
+        </p:nvGrpSpPr>
+        <p:grpSpPr>
+          <a:xfrm>
+            <a:off x="13403056" y="6784975"/>
+            <a:ext cx="1528093" cy="155268"/>
+            <a:chOff x="8818517" y="5128260"/>
+            <a:chExt cx="1920919" cy="563880"/>
+          </a:xfrm>
+          <a:solidFill>
+            <a:schemeClr val="bg1">
+              <a:lumMod val="85000"/>
+            </a:schemeClr>
+          </a:solidFill>
+        </p:grpSpPr>
+        <p:sp>
+          <p:nvSpPr>
+            <p:cNvPr id="55" name="Rectangle: Rounded Corners 54">
+              <a:extLst>
+                <a:ext uri="{FF2B5EF4-FFF2-40B4-BE49-F238E27FC236}">
+                  <a16:creationId xmlns:a16="http://schemas.microsoft.com/office/drawing/2014/main" id="{C21BF3B6-01AD-6EAA-7EF5-BA9CE5E0170A}"/>
+                </a:ext>
+              </a:extLst>
+            </p:cNvPr>
+            <p:cNvSpPr/>
+            <p:nvPr/>
+          </p:nvSpPr>
+          <p:spPr>
+            <a:xfrm>
+              <a:off x="8818517" y="5128260"/>
+              <a:ext cx="1920919" cy="563880"/>
+            </a:xfrm>
+            <a:prstGeom prst="roundRect">
+              <a:avLst/>
+            </a:prstGeom>
+            <a:grpFill/>
+            <a:ln>
+              <a:noFill/>
+            </a:ln>
+          </p:spPr>
+          <p:style>
+            <a:lnRef idx="2">
+              <a:schemeClr val="accent1">
+                <a:shade val="15000"/>
+              </a:schemeClr>
+            </a:lnRef>
+            <a:fillRef idx="1">
+              <a:schemeClr val="accent1"/>
+            </a:fillRef>
+            <a:effectRef idx="0">
+              <a:schemeClr val="accent1"/>
+            </a:effectRef>
+            <a:fontRef idx="minor">
+              <a:schemeClr val="lt1"/>
+            </a:fontRef>
+          </p:style>
+          <p:txBody>
+            <a:bodyPr rtlCol="0" anchor="ctr"/>
+            <a:lstStyle/>
+            <a:p>
+              <a:pPr algn="ctr"/>
+              <a:endParaRPr lang="en-US"/>
+            </a:p>
+          </p:txBody>
+        </p:sp>
+        <p:sp>
+          <p:nvSpPr>
+            <p:cNvPr id="56" name="Rectangle 55">
+              <a:extLst>
+                <a:ext uri="{FF2B5EF4-FFF2-40B4-BE49-F238E27FC236}">
+                  <a16:creationId xmlns:a16="http://schemas.microsoft.com/office/drawing/2014/main" id="{10CEC65A-1011-CD87-BD13-310D41CFF5CF}"/>
+                </a:ext>
+              </a:extLst>
+            </p:cNvPr>
+            <p:cNvSpPr/>
+            <p:nvPr/>
+          </p:nvSpPr>
+          <p:spPr>
+            <a:xfrm>
+              <a:off x="8982075" y="5128260"/>
+              <a:ext cx="1757360" cy="563880"/>
+            </a:xfrm>
+            <a:prstGeom prst="rect">
+              <a:avLst/>
+            </a:prstGeom>
+            <a:grpFill/>
+            <a:ln>
+              <a:noFill/>
+            </a:ln>
+          </p:spPr>
+          <p:style>
+            <a:lnRef idx="2">
+              <a:schemeClr val="accent1">
+                <a:shade val="15000"/>
+              </a:schemeClr>
+            </a:lnRef>
+            <a:fillRef idx="1">
+              <a:schemeClr val="accent1"/>
+            </a:fillRef>
+            <a:effectRef idx="0">
+              <a:schemeClr val="accent1"/>
+            </a:effectRef>
+            <a:fontRef idx="minor">
+              <a:schemeClr val="lt1"/>
+            </a:fontRef>
+          </p:style>
+          <p:txBody>
+            <a:bodyPr rtlCol="0" anchor="ctr"/>
+            <a:lstStyle/>
+            <a:p>
+              <a:pPr algn="ctr"/>
+              <a:endParaRPr lang="en-US"/>
+            </a:p>
+          </p:txBody>
+        </p:sp>
+      </p:grpSp>
+      <p:grpSp>
+        <p:nvGrpSpPr>
+          <p:cNvPr id="58" name="Group 57">
+            <a:extLst>
+              <a:ext uri="{FF2B5EF4-FFF2-40B4-BE49-F238E27FC236}">
+                <a16:creationId xmlns:a16="http://schemas.microsoft.com/office/drawing/2014/main" id="{75124A2A-3789-73DE-1922-EBE1EC977876}"/>
+              </a:ext>
+            </a:extLst>
+          </p:cNvPr>
+          <p:cNvGrpSpPr/>
+          <p:nvPr/>
+        </p:nvGrpSpPr>
+        <p:grpSpPr>
+          <a:xfrm>
+            <a:off x="13436458" y="7755327"/>
+            <a:ext cx="1480468" cy="446972"/>
+            <a:chOff x="8818517" y="5128260"/>
+            <a:chExt cx="1920919" cy="563880"/>
+          </a:xfrm>
+          <a:solidFill>
+            <a:schemeClr val="bg1">
+              <a:lumMod val="85000"/>
+            </a:schemeClr>
+          </a:solidFill>
+        </p:grpSpPr>
+        <p:sp>
+          <p:nvSpPr>
+            <p:cNvPr id="60" name="Rectangle: Rounded Corners 59">
+              <a:extLst>
+                <a:ext uri="{FF2B5EF4-FFF2-40B4-BE49-F238E27FC236}">
+                  <a16:creationId xmlns:a16="http://schemas.microsoft.com/office/drawing/2014/main" id="{C670F7E8-9643-9E64-41F9-0A5C077FD9C7}"/>
+                </a:ext>
+              </a:extLst>
+            </p:cNvPr>
+            <p:cNvSpPr/>
+            <p:nvPr/>
+          </p:nvSpPr>
+          <p:spPr>
+            <a:xfrm>
+              <a:off x="8818517" y="5128260"/>
+              <a:ext cx="1920919" cy="563880"/>
+            </a:xfrm>
+            <a:prstGeom prst="roundRect">
+              <a:avLst/>
+            </a:prstGeom>
+            <a:grpFill/>
+            <a:ln>
+              <a:noFill/>
+            </a:ln>
+          </p:spPr>
+          <p:style>
+            <a:lnRef idx="2">
+              <a:schemeClr val="accent1">
+                <a:shade val="15000"/>
+              </a:schemeClr>
+            </a:lnRef>
+            <a:fillRef idx="1">
+              <a:schemeClr val="accent1"/>
+            </a:fillRef>
+            <a:effectRef idx="0">
+              <a:schemeClr val="accent1"/>
+            </a:effectRef>
+            <a:fontRef idx="minor">
+              <a:schemeClr val="lt1"/>
+            </a:fontRef>
+          </p:style>
+          <p:txBody>
+            <a:bodyPr rtlCol="0" anchor="ctr"/>
+            <a:lstStyle/>
+            <a:p>
+              <a:pPr algn="ctr"/>
+              <a:endParaRPr lang="en-US"/>
+            </a:p>
+          </p:txBody>
+        </p:sp>
+        <p:sp>
+          <p:nvSpPr>
+            <p:cNvPr id="61" name="Rectangle 60">
+              <a:extLst>
+                <a:ext uri="{FF2B5EF4-FFF2-40B4-BE49-F238E27FC236}">
+                  <a16:creationId xmlns:a16="http://schemas.microsoft.com/office/drawing/2014/main" id="{92937BE8-09C1-1397-0B9C-CC69D50CD7EA}"/>
+                </a:ext>
+              </a:extLst>
+            </p:cNvPr>
+            <p:cNvSpPr/>
+            <p:nvPr/>
+          </p:nvSpPr>
+          <p:spPr>
+            <a:xfrm>
+              <a:off x="8982075" y="5128260"/>
+              <a:ext cx="1757360" cy="563880"/>
+            </a:xfrm>
+            <a:prstGeom prst="rect">
+              <a:avLst/>
+            </a:prstGeom>
+            <a:grpFill/>
+            <a:ln>
+              <a:noFill/>
+            </a:ln>
+          </p:spPr>
+          <p:style>
+            <a:lnRef idx="2">
+              <a:schemeClr val="accent1">
+                <a:shade val="15000"/>
+              </a:schemeClr>
+            </a:lnRef>
+            <a:fillRef idx="1">
+              <a:schemeClr val="accent1"/>
+            </a:fillRef>
+            <a:effectRef idx="0">
+              <a:schemeClr val="accent1"/>
+            </a:effectRef>
+            <a:fontRef idx="minor">
+              <a:schemeClr val="lt1"/>
+            </a:fontRef>
+          </p:style>
+          <p:txBody>
+            <a:bodyPr rtlCol="0" anchor="ctr"/>
+            <a:lstStyle/>
+            <a:p>
+              <a:pPr algn="ctr"/>
+              <a:endParaRPr lang="en-US" dirty="0"/>
+            </a:p>
+          </p:txBody>
+        </p:sp>
+      </p:grpSp>
+      <p:grpSp>
+        <p:nvGrpSpPr>
+          <p:cNvPr id="62" name="Group 61">
+            <a:extLst>
+              <a:ext uri="{FF2B5EF4-FFF2-40B4-BE49-F238E27FC236}">
+                <a16:creationId xmlns:a16="http://schemas.microsoft.com/office/drawing/2014/main" id="{B1253BB6-EFCC-6FFC-A38F-24C805C8BC4C}"/>
+              </a:ext>
+            </a:extLst>
+          </p:cNvPr>
+          <p:cNvGrpSpPr/>
+          <p:nvPr/>
+        </p:nvGrpSpPr>
+        <p:grpSpPr>
+          <a:xfrm>
+            <a:off x="13516561" y="9003155"/>
+            <a:ext cx="1413793" cy="299235"/>
+            <a:chOff x="8818517" y="5128260"/>
+            <a:chExt cx="1920919" cy="563880"/>
+          </a:xfrm>
+          <a:solidFill>
+            <a:schemeClr val="bg1">
+              <a:lumMod val="85000"/>
+            </a:schemeClr>
+          </a:solidFill>
+        </p:grpSpPr>
+        <p:sp>
+          <p:nvSpPr>
+            <p:cNvPr id="63" name="Rectangle: Rounded Corners 62">
+              <a:extLst>
+                <a:ext uri="{FF2B5EF4-FFF2-40B4-BE49-F238E27FC236}">
+                  <a16:creationId xmlns:a16="http://schemas.microsoft.com/office/drawing/2014/main" id="{D363FBD3-2B1C-89D7-A4C3-F73EE6483481}"/>
+                </a:ext>
+              </a:extLst>
+            </p:cNvPr>
+            <p:cNvSpPr/>
+            <p:nvPr/>
+          </p:nvSpPr>
+          <p:spPr>
+            <a:xfrm>
+              <a:off x="8818517" y="5128260"/>
+              <a:ext cx="1920919" cy="563880"/>
+            </a:xfrm>
+            <a:prstGeom prst="roundRect">
+              <a:avLst/>
+            </a:prstGeom>
+            <a:grpFill/>
+            <a:ln>
+              <a:noFill/>
+            </a:ln>
+          </p:spPr>
+          <p:style>
+            <a:lnRef idx="2">
+              <a:schemeClr val="accent1">
+                <a:shade val="15000"/>
+              </a:schemeClr>
+            </a:lnRef>
+            <a:fillRef idx="1">
+              <a:schemeClr val="accent1"/>
+            </a:fillRef>
+            <a:effectRef idx="0">
+              <a:schemeClr val="accent1"/>
+            </a:effectRef>
+            <a:fontRef idx="minor">
+              <a:schemeClr val="lt1"/>
+            </a:fontRef>
+          </p:style>
+          <p:txBody>
+            <a:bodyPr rtlCol="0" anchor="ctr"/>
+            <a:lstStyle/>
+            <a:p>
+              <a:pPr algn="ctr"/>
+              <a:endParaRPr lang="en-US"/>
+            </a:p>
+          </p:txBody>
+        </p:sp>
+        <p:sp>
+          <p:nvSpPr>
+            <p:cNvPr id="64" name="Rectangle 63">
+              <a:extLst>
+                <a:ext uri="{FF2B5EF4-FFF2-40B4-BE49-F238E27FC236}">
+                  <a16:creationId xmlns:a16="http://schemas.microsoft.com/office/drawing/2014/main" id="{6AF414AA-9C3B-4BFF-7FC4-F853FC310F9B}"/>
+                </a:ext>
+              </a:extLst>
+            </p:cNvPr>
+            <p:cNvSpPr/>
+            <p:nvPr/>
+          </p:nvSpPr>
+          <p:spPr>
+            <a:xfrm>
+              <a:off x="8982075" y="5128260"/>
+              <a:ext cx="1757360" cy="563880"/>
+            </a:xfrm>
+            <a:prstGeom prst="rect">
+              <a:avLst/>
+            </a:prstGeom>
+            <a:grpFill/>
+            <a:ln>
+              <a:noFill/>
+            </a:ln>
+          </p:spPr>
+          <p:style>
+            <a:lnRef idx="2">
+              <a:schemeClr val="accent1">
+                <a:shade val="15000"/>
+              </a:schemeClr>
+            </a:lnRef>
+            <a:fillRef idx="1">
+              <a:schemeClr val="accent1"/>
+            </a:fillRef>
+            <a:effectRef idx="0">
+              <a:schemeClr val="accent1"/>
+            </a:effectRef>
+            <a:fontRef idx="minor">
+              <a:schemeClr val="lt1"/>
+            </a:fontRef>
+          </p:style>
+          <p:txBody>
+            <a:bodyPr rtlCol="0" anchor="ctr"/>
+            <a:lstStyle/>
+            <a:p>
+              <a:pPr algn="ctr"/>
+              <a:endParaRPr lang="en-US" dirty="0"/>
             </a:p>
           </p:txBody>
         </p:sp>
       </p:grpSp>
       <p:sp>
         <p:nvSpPr>
-          <p:cNvPr id="16" name="Rectangle 15">
+          <p:cNvPr id="65" name="Rectangle 64">
             <a:extLst>
               <a:ext uri="{FF2B5EF4-FFF2-40B4-BE49-F238E27FC236}">
-                <a16:creationId xmlns:a16="http://schemas.microsoft.com/office/drawing/2014/main" id="{8B3A8CEA-9809-B7D0-52E3-7CB69ADC1229}"/>
+                <a16:creationId xmlns:a16="http://schemas.microsoft.com/office/drawing/2014/main" id="{C2329E82-09A7-8AAB-F72B-78CA803A3406}"/>
               </a:ext>
             </a:extLst>
           </p:cNvPr>
@@ -23279,16 +24370,14 @@
         </p:nvSpPr>
         <p:spPr>
           <a:xfrm>
-            <a:off x="8982075" y="5126665"/>
-            <a:ext cx="1757360" cy="436168"/>
+            <a:off x="578362" y="5120076"/>
+            <a:ext cx="2902257" cy="5263197"/>
           </a:xfrm>
           <a:prstGeom prst="rect">
             <a:avLst/>
           </a:prstGeom>
           <a:solidFill>
-            <a:schemeClr val="bg1">
-              <a:lumMod val="65000"/>
-            </a:schemeClr>
+            <a:srgbClr val="643608"/>
           </a:solidFill>
           <a:ln>
             <a:noFill/>
@@ -23319,6 +24408,401 @@
           </a:p>
         </p:txBody>
       </p:sp>
+      <p:pic>
+        <p:nvPicPr>
+          <p:cNvPr id="67" name="Graphic 66" descr="Door Open with solid fill">
+            <a:extLst>
+              <a:ext uri="{FF2B5EF4-FFF2-40B4-BE49-F238E27FC236}">
+                <a16:creationId xmlns:a16="http://schemas.microsoft.com/office/drawing/2014/main" id="{B17AF964-76A7-CD2E-9F69-4F5E27F670B8}"/>
+              </a:ext>
+            </a:extLst>
+          </p:cNvPr>
+          <p:cNvPicPr>
+            <a:picLocks noChangeAspect="1"/>
+          </p:cNvPicPr>
+          <p:nvPr/>
+        </p:nvPicPr>
+        <p:blipFill>
+          <a:blip r:embed="rId5">
+            <a:extLst>
+              <a:ext uri="{96DAC541-7B7A-43D3-8B79-37D633B846F1}">
+                <asvg:svgBlip xmlns:asvg="http://schemas.microsoft.com/office/drawing/2016/SVG/main" r:embed="rId6"/>
+              </a:ext>
+            </a:extLst>
+          </a:blip>
+          <a:stretch>
+            <a:fillRect/>
+          </a:stretch>
+        </p:blipFill>
+        <p:spPr>
+          <a:xfrm>
+            <a:off x="8686800" y="8686800"/>
+            <a:ext cx="6740014" cy="6740014"/>
+          </a:xfrm>
+          <a:prstGeom prst="rect">
+            <a:avLst/>
+          </a:prstGeom>
+        </p:spPr>
+      </p:pic>
+      <p:sp>
+        <p:nvSpPr>
+          <p:cNvPr id="2" name="Oval 1">
+            <a:extLst>
+              <a:ext uri="{FF2B5EF4-FFF2-40B4-BE49-F238E27FC236}">
+                <a16:creationId xmlns:a16="http://schemas.microsoft.com/office/drawing/2014/main" id="{28B22FFF-8D24-270F-799E-0A66EF82242B}"/>
+              </a:ext>
+            </a:extLst>
+          </p:cNvPr>
+          <p:cNvSpPr/>
+          <p:nvPr/>
+        </p:nvSpPr>
+        <p:spPr>
+          <a:xfrm>
+            <a:off x="5288932" y="1268548"/>
+            <a:ext cx="1684421" cy="1684421"/>
+          </a:xfrm>
+          <a:prstGeom prst="ellipse">
+            <a:avLst/>
+          </a:prstGeom>
+          <a:solidFill>
+            <a:schemeClr val="accent2"/>
+          </a:solidFill>
+          <a:ln>
+            <a:noFill/>
+          </a:ln>
+        </p:spPr>
+        <p:style>
+          <a:lnRef idx="2">
+            <a:schemeClr val="accent1">
+              <a:shade val="15000"/>
+            </a:schemeClr>
+          </a:lnRef>
+          <a:fillRef idx="1">
+            <a:schemeClr val="accent1"/>
+          </a:fillRef>
+          <a:effectRef idx="0">
+            <a:schemeClr val="accent1"/>
+          </a:effectRef>
+          <a:fontRef idx="minor">
+            <a:schemeClr val="lt1"/>
+          </a:fontRef>
+        </p:style>
+        <p:txBody>
+          <a:bodyPr rtlCol="0" anchor="ctr"/>
+          <a:lstStyle/>
+          <a:p>
+            <a:pPr algn="ctr"/>
+            <a:endParaRPr lang="en-US"/>
+          </a:p>
+        </p:txBody>
+      </p:sp>
+      <p:sp>
+        <p:nvSpPr>
+          <p:cNvPr id="3" name="Arc 2">
+            <a:extLst>
+              <a:ext uri="{FF2B5EF4-FFF2-40B4-BE49-F238E27FC236}">
+                <a16:creationId xmlns:a16="http://schemas.microsoft.com/office/drawing/2014/main" id="{112E95B0-F60E-6DBC-D6A0-4F2506939E4B}"/>
+              </a:ext>
+            </a:extLst>
+          </p:cNvPr>
+          <p:cNvSpPr/>
+          <p:nvPr/>
+        </p:nvSpPr>
+        <p:spPr>
+          <a:xfrm rot="2700000">
+            <a:off x="4088136" y="1236793"/>
+            <a:ext cx="1747929" cy="1747929"/>
+          </a:xfrm>
+          <a:prstGeom prst="arc">
+            <a:avLst/>
+          </a:prstGeom>
+          <a:ln w="76200"/>
+        </p:spPr>
+        <p:style>
+          <a:lnRef idx="3">
+            <a:schemeClr val="dk1"/>
+          </a:lnRef>
+          <a:fillRef idx="0">
+            <a:schemeClr val="dk1"/>
+          </a:fillRef>
+          <a:effectRef idx="2">
+            <a:schemeClr val="dk1"/>
+          </a:effectRef>
+          <a:fontRef idx="minor">
+            <a:schemeClr val="tx1"/>
+          </a:fontRef>
+        </p:style>
+        <p:txBody>
+          <a:bodyPr rtlCol="0" anchor="ctr"/>
+          <a:lstStyle/>
+          <a:p>
+            <a:pPr algn="ctr"/>
+            <a:endParaRPr lang="en-US"/>
+          </a:p>
+        </p:txBody>
+      </p:sp>
+      <p:sp>
+        <p:nvSpPr>
+          <p:cNvPr id="7" name="Arc 6">
+            <a:extLst>
+              <a:ext uri="{FF2B5EF4-FFF2-40B4-BE49-F238E27FC236}">
+                <a16:creationId xmlns:a16="http://schemas.microsoft.com/office/drawing/2014/main" id="{8B1E0520-0A57-B582-234D-AC65DEE1D2FF}"/>
+              </a:ext>
+            </a:extLst>
+          </p:cNvPr>
+          <p:cNvSpPr/>
+          <p:nvPr/>
+        </p:nvSpPr>
+        <p:spPr>
+          <a:xfrm rot="13500000">
+            <a:off x="6414630" y="1236792"/>
+            <a:ext cx="1747929" cy="1747929"/>
+          </a:xfrm>
+          <a:prstGeom prst="arc">
+            <a:avLst/>
+          </a:prstGeom>
+          <a:ln w="76200"/>
+        </p:spPr>
+        <p:style>
+          <a:lnRef idx="3">
+            <a:schemeClr val="dk1"/>
+          </a:lnRef>
+          <a:fillRef idx="0">
+            <a:schemeClr val="dk1"/>
+          </a:fillRef>
+          <a:effectRef idx="2">
+            <a:schemeClr val="dk1"/>
+          </a:effectRef>
+          <a:fontRef idx="minor">
+            <a:schemeClr val="tx1"/>
+          </a:fontRef>
+        </p:style>
+        <p:txBody>
+          <a:bodyPr rtlCol="0" anchor="ctr"/>
+          <a:lstStyle/>
+          <a:p>
+            <a:pPr algn="ctr"/>
+            <a:endParaRPr lang="en-US"/>
+          </a:p>
+        </p:txBody>
+      </p:sp>
+      <p:cxnSp>
+        <p:nvCxnSpPr>
+          <p:cNvPr id="11" name="Straight Connector 10">
+            <a:extLst>
+              <a:ext uri="{FF2B5EF4-FFF2-40B4-BE49-F238E27FC236}">
+                <a16:creationId xmlns:a16="http://schemas.microsoft.com/office/drawing/2014/main" id="{28214E65-1B83-A0BD-E5BD-4DDE484D5E98}"/>
+              </a:ext>
+            </a:extLst>
+          </p:cNvPr>
+          <p:cNvCxnSpPr>
+            <a:cxnSpLocks/>
+            <a:endCxn id="2" idx="4"/>
+          </p:cNvCxnSpPr>
+          <p:nvPr/>
+        </p:nvCxnSpPr>
+        <p:spPr>
+          <a:xfrm>
+            <a:off x="6104689" y="1268548"/>
+            <a:ext cx="26454" cy="1684421"/>
+          </a:xfrm>
+          <a:prstGeom prst="line">
+            <a:avLst/>
+          </a:prstGeom>
+          <a:ln w="76200"/>
+        </p:spPr>
+        <p:style>
+          <a:lnRef idx="3">
+            <a:schemeClr val="dk1"/>
+          </a:lnRef>
+          <a:fillRef idx="0">
+            <a:schemeClr val="dk1"/>
+          </a:fillRef>
+          <a:effectRef idx="2">
+            <a:schemeClr val="dk1"/>
+          </a:effectRef>
+          <a:fontRef idx="minor">
+            <a:schemeClr val="tx1"/>
+          </a:fontRef>
+        </p:style>
+      </p:cxnSp>
+      <p:sp>
+        <p:nvSpPr>
+          <p:cNvPr id="17" name="Rectangle 16">
+            <a:extLst>
+              <a:ext uri="{FF2B5EF4-FFF2-40B4-BE49-F238E27FC236}">
+                <a16:creationId xmlns:a16="http://schemas.microsoft.com/office/drawing/2014/main" id="{80E7E465-7F59-338E-83DE-03684D0C5266}"/>
+              </a:ext>
+            </a:extLst>
+          </p:cNvPr>
+          <p:cNvSpPr/>
+          <p:nvPr/>
+        </p:nvSpPr>
+        <p:spPr>
+          <a:xfrm>
+            <a:off x="11036242" y="697797"/>
+            <a:ext cx="6894286" cy="4364855"/>
+          </a:xfrm>
+          <a:prstGeom prst="rect">
+            <a:avLst/>
+          </a:prstGeom>
+          <a:solidFill>
+            <a:srgbClr val="FCEDD8"/>
+          </a:solidFill>
+          <a:ln>
+            <a:noFill/>
+          </a:ln>
+        </p:spPr>
+        <p:style>
+          <a:lnRef idx="2">
+            <a:schemeClr val="accent1">
+              <a:shade val="15000"/>
+            </a:schemeClr>
+          </a:lnRef>
+          <a:fillRef idx="1">
+            <a:schemeClr val="accent1"/>
+          </a:fillRef>
+          <a:effectRef idx="0">
+            <a:schemeClr val="accent1"/>
+          </a:effectRef>
+          <a:fontRef idx="minor">
+            <a:schemeClr val="lt1"/>
+          </a:fontRef>
+        </p:style>
+        <p:txBody>
+          <a:bodyPr rtlCol="0" anchor="ctr"/>
+          <a:lstStyle/>
+          <a:p>
+            <a:pPr algn="ctr"/>
+            <a:endParaRPr lang="en-US"/>
+          </a:p>
+        </p:txBody>
+      </p:sp>
+      <p:grpSp>
+        <p:nvGrpSpPr>
+          <p:cNvPr id="21" name="Group 20">
+            <a:extLst>
+              <a:ext uri="{FF2B5EF4-FFF2-40B4-BE49-F238E27FC236}">
+                <a16:creationId xmlns:a16="http://schemas.microsoft.com/office/drawing/2014/main" id="{33181F5E-B4C5-16A3-5F38-ACE857153C66}"/>
+              </a:ext>
+            </a:extLst>
+          </p:cNvPr>
+          <p:cNvGrpSpPr/>
+          <p:nvPr/>
+        </p:nvGrpSpPr>
+        <p:grpSpPr>
+          <a:xfrm>
+            <a:off x="13088143" y="3091543"/>
+            <a:ext cx="2790486" cy="1912384"/>
+            <a:chOff x="12537535" y="3037373"/>
+            <a:chExt cx="3891701" cy="2020723"/>
+          </a:xfrm>
+        </p:grpSpPr>
+        <p:sp>
+          <p:nvSpPr>
+            <p:cNvPr id="20" name="Rectangle 19">
+              <a:extLst>
+                <a:ext uri="{FF2B5EF4-FFF2-40B4-BE49-F238E27FC236}">
+                  <a16:creationId xmlns:a16="http://schemas.microsoft.com/office/drawing/2014/main" id="{7DB760ED-3FF4-0A69-A8BE-215D3ABA219B}"/>
+                </a:ext>
+              </a:extLst>
+            </p:cNvPr>
+            <p:cNvSpPr/>
+            <p:nvPr/>
+          </p:nvSpPr>
+          <p:spPr>
+            <a:xfrm>
+              <a:off x="12537535" y="3037373"/>
+              <a:ext cx="3891701" cy="2020723"/>
+            </a:xfrm>
+            <a:prstGeom prst="rect">
+              <a:avLst/>
+            </a:prstGeom>
+            <a:solidFill>
+              <a:srgbClr val="C00000"/>
+            </a:solidFill>
+            <a:ln>
+              <a:noFill/>
+            </a:ln>
+          </p:spPr>
+          <p:style>
+            <a:lnRef idx="2">
+              <a:schemeClr val="accent1">
+                <a:shade val="15000"/>
+              </a:schemeClr>
+            </a:lnRef>
+            <a:fillRef idx="1">
+              <a:schemeClr val="accent1"/>
+            </a:fillRef>
+            <a:effectRef idx="0">
+              <a:schemeClr val="accent1"/>
+            </a:effectRef>
+            <a:fontRef idx="minor">
+              <a:schemeClr val="lt1"/>
+            </a:fontRef>
+          </p:style>
+          <p:txBody>
+            <a:bodyPr rtlCol="0" anchor="ctr"/>
+            <a:lstStyle/>
+            <a:p>
+              <a:pPr algn="ctr"/>
+              <a:endParaRPr lang="en-US"/>
+            </a:p>
+          </p:txBody>
+        </p:sp>
+        <p:sp>
+          <p:nvSpPr>
+            <p:cNvPr id="19" name="Rectangle 18">
+              <a:extLst>
+                <a:ext uri="{FF2B5EF4-FFF2-40B4-BE49-F238E27FC236}">
+                  <a16:creationId xmlns:a16="http://schemas.microsoft.com/office/drawing/2014/main" id="{294BA415-5469-4CD5-8947-698EDC71D87D}"/>
+                </a:ext>
+              </a:extLst>
+            </p:cNvPr>
+            <p:cNvSpPr/>
+            <p:nvPr/>
+          </p:nvSpPr>
+          <p:spPr>
+            <a:xfrm>
+              <a:off x="12901948" y="3346729"/>
+              <a:ext cx="3162876" cy="1349096"/>
+            </a:xfrm>
+            <a:prstGeom prst="rect">
+              <a:avLst/>
+            </a:prstGeom>
+            <a:solidFill>
+              <a:srgbClr val="FCEDD8"/>
+            </a:solidFill>
+            <a:ln>
+              <a:noFill/>
+            </a:ln>
+          </p:spPr>
+          <p:style>
+            <a:lnRef idx="2">
+              <a:schemeClr val="accent1">
+                <a:shade val="15000"/>
+              </a:schemeClr>
+            </a:lnRef>
+            <a:fillRef idx="1">
+              <a:schemeClr val="accent1"/>
+            </a:fillRef>
+            <a:effectRef idx="0">
+              <a:schemeClr val="accent1"/>
+            </a:effectRef>
+            <a:fontRef idx="minor">
+              <a:schemeClr val="lt1"/>
+            </a:fontRef>
+          </p:style>
+          <p:txBody>
+            <a:bodyPr rtlCol="0" anchor="ctr"/>
+            <a:lstStyle/>
+            <a:p>
+              <a:pPr algn="ctr"/>
+              <a:endParaRPr lang="en-US"/>
+            </a:p>
+          </p:txBody>
+        </p:sp>
+      </p:grpSp>
     </p:spTree>
     <p:extLst>
       <p:ext uri="{BB962C8B-B14F-4D97-AF65-F5344CB8AC3E}">

--- a/Documents/licart.pptx
+++ b/Documents/licart.pptx
@@ -23495,117 +23495,12 @@
           </p:txBody>
         </p:sp>
       </p:grpSp>
-      <p:pic>
-        <p:nvPicPr>
-          <p:cNvPr id="36" name="Picture 35" descr="A grey barrel with a black background&#10;&#10;AI-generated content may be incorrect.">
+      <p:grpSp>
+        <p:nvGrpSpPr>
+          <p:cNvPr id="13" name="Group 12">
             <a:extLst>
               <a:ext uri="{FF2B5EF4-FFF2-40B4-BE49-F238E27FC236}">
-                <a16:creationId xmlns:a16="http://schemas.microsoft.com/office/drawing/2014/main" id="{8DD6A0FF-CB31-26D5-CDFA-F0518E000548}"/>
-              </a:ext>
-            </a:extLst>
-          </p:cNvPr>
-          <p:cNvPicPr>
-            <a:picLocks noChangeAspect="1"/>
-          </p:cNvPicPr>
-          <p:nvPr/>
-        </p:nvPicPr>
-        <p:blipFill>
-          <a:blip r:embed="rId4">
-            <a:extLst>
-              <a:ext uri="{28A0092B-C50C-407E-A947-70E740481C1C}">
-                <a14:useLocalDpi xmlns:a14="http://schemas.microsoft.com/office/drawing/2010/main" val="0"/>
-              </a:ext>
-            </a:extLst>
-          </a:blip>
-          <a:srcRect t="68705"/>
-          <a:stretch/>
-        </p:blipFill>
-        <p:spPr>
-          <a:xfrm>
-            <a:off x="11831952" y="8664575"/>
-            <a:ext cx="4189655" cy="1718699"/>
-          </a:xfrm>
-          <a:prstGeom prst="rect">
-            <a:avLst/>
-          </a:prstGeom>
-        </p:spPr>
-      </p:pic>
-      <p:pic>
-        <p:nvPicPr>
-          <p:cNvPr id="37" name="Picture 36" descr="A grey barrel with a black background&#10;&#10;AI-generated content may be incorrect.">
-            <a:extLst>
-              <a:ext uri="{FF2B5EF4-FFF2-40B4-BE49-F238E27FC236}">
-                <a16:creationId xmlns:a16="http://schemas.microsoft.com/office/drawing/2014/main" id="{79C18C29-7991-F2E3-8460-26B30799CE85}"/>
-              </a:ext>
-            </a:extLst>
-          </p:cNvPr>
-          <p:cNvPicPr>
-            <a:picLocks noChangeAspect="1"/>
-          </p:cNvPicPr>
-          <p:nvPr/>
-        </p:nvPicPr>
-        <p:blipFill>
-          <a:blip r:embed="rId4">
-            <a:extLst>
-              <a:ext uri="{28A0092B-C50C-407E-A947-70E740481C1C}">
-                <a14:useLocalDpi xmlns:a14="http://schemas.microsoft.com/office/drawing/2010/main" val="0"/>
-              </a:ext>
-            </a:extLst>
-          </a:blip>
-          <a:srcRect l="-455" t="40512" r="455" b="30968"/>
-          <a:stretch/>
-        </p:blipFill>
-        <p:spPr>
-          <a:xfrm>
-            <a:off x="11801855" y="7383939"/>
-            <a:ext cx="4189655" cy="1566299"/>
-          </a:xfrm>
-          <a:prstGeom prst="rect">
-            <a:avLst/>
-          </a:prstGeom>
-        </p:spPr>
-      </p:pic>
-      <p:pic>
-        <p:nvPicPr>
-          <p:cNvPr id="38" name="Picture 37" descr="A grey barrel with a black background&#10;&#10;AI-generated content may be incorrect.">
-            <a:extLst>
-              <a:ext uri="{FF2B5EF4-FFF2-40B4-BE49-F238E27FC236}">
-                <a16:creationId xmlns:a16="http://schemas.microsoft.com/office/drawing/2014/main" id="{16CE63BD-6EFF-83FA-0742-E9243B1D315C}"/>
-              </a:ext>
-            </a:extLst>
-          </p:cNvPr>
-          <p:cNvPicPr>
-            <a:picLocks noChangeAspect="1"/>
-          </p:cNvPicPr>
-          <p:nvPr/>
-        </p:nvPicPr>
-        <p:blipFill>
-          <a:blip r:embed="rId4">
-            <a:extLst>
-              <a:ext uri="{28A0092B-C50C-407E-A947-70E740481C1C}">
-                <a14:useLocalDpi xmlns:a14="http://schemas.microsoft.com/office/drawing/2010/main" val="0"/>
-              </a:ext>
-            </a:extLst>
-          </a:blip>
-          <a:srcRect t="9640" b="61840"/>
-          <a:stretch/>
-        </p:blipFill>
-        <p:spPr>
-          <a:xfrm>
-            <a:off x="11831952" y="5950903"/>
-            <a:ext cx="4189655" cy="1566299"/>
-          </a:xfrm>
-          <a:prstGeom prst="rect">
-            <a:avLst/>
-          </a:prstGeom>
-        </p:spPr>
-      </p:pic>
-      <p:grpSp>
-        <p:nvGrpSpPr>
-          <p:cNvPr id="39" name="Group 38">
-            <a:extLst>
-              <a:ext uri="{FF2B5EF4-FFF2-40B4-BE49-F238E27FC236}">
-                <a16:creationId xmlns:a16="http://schemas.microsoft.com/office/drawing/2014/main" id="{163BFFE0-00AC-6707-C78E-F4B3DDAB2121}"/>
+                <a16:creationId xmlns:a16="http://schemas.microsoft.com/office/drawing/2014/main" id="{568CC674-F485-6AE4-E6C7-3AC0D59E3839}"/>
               </a:ext>
             </a:extLst>
           </p:cNvPr>
@@ -23614,747 +23509,873 @@
         </p:nvGrpSpPr>
         <p:grpSpPr>
           <a:xfrm>
-            <a:off x="13198787" y="6704013"/>
-            <a:ext cx="1729188" cy="312692"/>
-            <a:chOff x="8818517" y="5128260"/>
-            <a:chExt cx="1920919" cy="563880"/>
+            <a:off x="1863958" y="12980844"/>
+            <a:ext cx="4219752" cy="4432371"/>
+            <a:chOff x="11801855" y="5950903"/>
+            <a:chExt cx="4219752" cy="4432371"/>
           </a:xfrm>
-          <a:solidFill>
-            <a:schemeClr val="bg1">
-              <a:lumMod val="75000"/>
-            </a:schemeClr>
-          </a:solidFill>
         </p:grpSpPr>
-        <p:sp>
-          <p:nvSpPr>
-            <p:cNvPr id="40" name="Rectangle: Rounded Corners 39">
+        <p:pic>
+          <p:nvPicPr>
+            <p:cNvPr id="36" name="Picture 35" descr="A grey barrel with a black background&#10;&#10;AI-generated content may be incorrect.">
               <a:extLst>
                 <a:ext uri="{FF2B5EF4-FFF2-40B4-BE49-F238E27FC236}">
-                  <a16:creationId xmlns:a16="http://schemas.microsoft.com/office/drawing/2014/main" id="{945A3705-3F65-F6EE-A76C-811716C4F790}"/>
+                  <a16:creationId xmlns:a16="http://schemas.microsoft.com/office/drawing/2014/main" id="{8DD6A0FF-CB31-26D5-CDFA-F0518E000548}"/>
                 </a:ext>
               </a:extLst>
             </p:cNvPr>
-            <p:cNvSpPr/>
+            <p:cNvPicPr>
+              <a:picLocks noChangeAspect="1"/>
+            </p:cNvPicPr>
             <p:nvPr/>
-          </p:nvSpPr>
+          </p:nvPicPr>
+          <p:blipFill>
+            <a:blip r:embed="rId4">
+              <a:extLst>
+                <a:ext uri="{28A0092B-C50C-407E-A947-70E740481C1C}">
+                  <a14:useLocalDpi xmlns:a14="http://schemas.microsoft.com/office/drawing/2010/main" val="0"/>
+                </a:ext>
+              </a:extLst>
+            </a:blip>
+            <a:srcRect t="68705"/>
+            <a:stretch/>
+          </p:blipFill>
           <p:spPr>
             <a:xfrm>
-              <a:off x="8818517" y="5128260"/>
-              <a:ext cx="1920919" cy="563880"/>
-            </a:xfrm>
-            <a:prstGeom prst="roundRect">
-              <a:avLst/>
-            </a:prstGeom>
-            <a:grpFill/>
-            <a:ln>
-              <a:noFill/>
-            </a:ln>
-          </p:spPr>
-          <p:style>
-            <a:lnRef idx="2">
-              <a:schemeClr val="accent1">
-                <a:shade val="15000"/>
-              </a:schemeClr>
-            </a:lnRef>
-            <a:fillRef idx="1">
-              <a:schemeClr val="accent1"/>
-            </a:fillRef>
-            <a:effectRef idx="0">
-              <a:schemeClr val="accent1"/>
-            </a:effectRef>
-            <a:fontRef idx="minor">
-              <a:schemeClr val="lt1"/>
-            </a:fontRef>
-          </p:style>
-          <p:txBody>
-            <a:bodyPr rtlCol="0" anchor="ctr"/>
-            <a:lstStyle/>
-            <a:p>
-              <a:pPr algn="ctr"/>
-              <a:endParaRPr lang="en-US"/>
-            </a:p>
-          </p:txBody>
-        </p:sp>
-        <p:sp>
-          <p:nvSpPr>
-            <p:cNvPr id="41" name="Rectangle 40">
-              <a:extLst>
-                <a:ext uri="{FF2B5EF4-FFF2-40B4-BE49-F238E27FC236}">
-                  <a16:creationId xmlns:a16="http://schemas.microsoft.com/office/drawing/2014/main" id="{A0F2BACD-33F7-D8FA-A620-1F74C4F5D730}"/>
-                </a:ext>
-              </a:extLst>
-            </p:cNvPr>
-            <p:cNvSpPr/>
-            <p:nvPr/>
-          </p:nvSpPr>
-          <p:spPr>
-            <a:xfrm>
-              <a:off x="8982075" y="5128260"/>
-              <a:ext cx="1757360" cy="563880"/>
+              <a:off x="11831952" y="8664575"/>
+              <a:ext cx="4189655" cy="1718699"/>
             </a:xfrm>
             <a:prstGeom prst="rect">
               <a:avLst/>
             </a:prstGeom>
-            <a:grpFill/>
-            <a:ln>
-              <a:noFill/>
-            </a:ln>
           </p:spPr>
-          <p:style>
-            <a:lnRef idx="2">
-              <a:schemeClr val="accent1">
-                <a:shade val="15000"/>
-              </a:schemeClr>
-            </a:lnRef>
-            <a:fillRef idx="1">
-              <a:schemeClr val="accent1"/>
-            </a:fillRef>
-            <a:effectRef idx="0">
-              <a:schemeClr val="accent1"/>
-            </a:effectRef>
-            <a:fontRef idx="minor">
-              <a:schemeClr val="lt1"/>
-            </a:fontRef>
-          </p:style>
-          <p:txBody>
-            <a:bodyPr rtlCol="0" anchor="ctr"/>
-            <a:lstStyle/>
-            <a:p>
-              <a:pPr algn="ctr"/>
-              <a:endParaRPr lang="en-US"/>
-            </a:p>
-          </p:txBody>
-        </p:sp>
-      </p:grpSp>
-      <p:grpSp>
-        <p:nvGrpSpPr>
-          <p:cNvPr id="45" name="Group 44">
-            <a:extLst>
-              <a:ext uri="{FF2B5EF4-FFF2-40B4-BE49-F238E27FC236}">
-                <a16:creationId xmlns:a16="http://schemas.microsoft.com/office/drawing/2014/main" id="{801064E4-CEB8-C4B2-FE5D-09F6AB94B4C7}"/>
-              </a:ext>
-            </a:extLst>
-          </p:cNvPr>
-          <p:cNvGrpSpPr/>
-          <p:nvPr/>
-        </p:nvGrpSpPr>
-        <p:grpSpPr>
-          <a:xfrm>
-            <a:off x="13198787" y="7604125"/>
-            <a:ext cx="1718140" cy="742950"/>
-            <a:chOff x="8818517" y="5128260"/>
-            <a:chExt cx="1920919" cy="563880"/>
-          </a:xfrm>
-          <a:solidFill>
-            <a:schemeClr val="bg1">
-              <a:lumMod val="75000"/>
-            </a:schemeClr>
-          </a:solidFill>
-        </p:grpSpPr>
-        <p:sp>
-          <p:nvSpPr>
-            <p:cNvPr id="47" name="Rectangle: Rounded Corners 46">
+        </p:pic>
+        <p:pic>
+          <p:nvPicPr>
+            <p:cNvPr id="37" name="Picture 36" descr="A grey barrel with a black background&#10;&#10;AI-generated content may be incorrect.">
               <a:extLst>
                 <a:ext uri="{FF2B5EF4-FFF2-40B4-BE49-F238E27FC236}">
-                  <a16:creationId xmlns:a16="http://schemas.microsoft.com/office/drawing/2014/main" id="{8B185E27-93EF-00D5-5E5C-454B95540E82}"/>
+                  <a16:creationId xmlns:a16="http://schemas.microsoft.com/office/drawing/2014/main" id="{79C18C29-7991-F2E3-8460-26B30799CE85}"/>
                 </a:ext>
               </a:extLst>
             </p:cNvPr>
-            <p:cNvSpPr/>
+            <p:cNvPicPr>
+              <a:picLocks noChangeAspect="1"/>
+            </p:cNvPicPr>
             <p:nvPr/>
-          </p:nvSpPr>
+          </p:nvPicPr>
+          <p:blipFill>
+            <a:blip r:embed="rId4">
+              <a:extLst>
+                <a:ext uri="{28A0092B-C50C-407E-A947-70E740481C1C}">
+                  <a14:useLocalDpi xmlns:a14="http://schemas.microsoft.com/office/drawing/2010/main" val="0"/>
+                </a:ext>
+              </a:extLst>
+            </a:blip>
+            <a:srcRect l="-455" t="40512" r="455" b="30968"/>
+            <a:stretch/>
+          </p:blipFill>
           <p:spPr>
             <a:xfrm>
-              <a:off x="8818517" y="5128260"/>
-              <a:ext cx="1920919" cy="563880"/>
-            </a:xfrm>
-            <a:prstGeom prst="roundRect">
-              <a:avLst/>
-            </a:prstGeom>
-            <a:grpFill/>
-            <a:ln>
-              <a:noFill/>
-            </a:ln>
-          </p:spPr>
-          <p:style>
-            <a:lnRef idx="2">
-              <a:schemeClr val="accent1">
-                <a:shade val="15000"/>
-              </a:schemeClr>
-            </a:lnRef>
-            <a:fillRef idx="1">
-              <a:schemeClr val="accent1"/>
-            </a:fillRef>
-            <a:effectRef idx="0">
-              <a:schemeClr val="accent1"/>
-            </a:effectRef>
-            <a:fontRef idx="minor">
-              <a:schemeClr val="lt1"/>
-            </a:fontRef>
-          </p:style>
-          <p:txBody>
-            <a:bodyPr rtlCol="0" anchor="ctr"/>
-            <a:lstStyle/>
-            <a:p>
-              <a:pPr algn="ctr"/>
-              <a:endParaRPr lang="en-US"/>
-            </a:p>
-          </p:txBody>
-        </p:sp>
-        <p:sp>
-          <p:nvSpPr>
-            <p:cNvPr id="48" name="Rectangle 47">
-              <a:extLst>
-                <a:ext uri="{FF2B5EF4-FFF2-40B4-BE49-F238E27FC236}">
-                  <a16:creationId xmlns:a16="http://schemas.microsoft.com/office/drawing/2014/main" id="{EFB58B66-7653-AD45-6C14-938AAD4DC5CE}"/>
-                </a:ext>
-              </a:extLst>
-            </p:cNvPr>
-            <p:cNvSpPr/>
-            <p:nvPr/>
-          </p:nvSpPr>
-          <p:spPr>
-            <a:xfrm>
-              <a:off x="8982075" y="5128260"/>
-              <a:ext cx="1757360" cy="563880"/>
+              <a:off x="11801855" y="7383939"/>
+              <a:ext cx="4189655" cy="1566299"/>
             </a:xfrm>
             <a:prstGeom prst="rect">
               <a:avLst/>
             </a:prstGeom>
-            <a:grpFill/>
-            <a:ln>
-              <a:noFill/>
-            </a:ln>
           </p:spPr>
-          <p:style>
-            <a:lnRef idx="2">
-              <a:schemeClr val="accent1">
-                <a:shade val="15000"/>
-              </a:schemeClr>
-            </a:lnRef>
-            <a:fillRef idx="1">
-              <a:schemeClr val="accent1"/>
-            </a:fillRef>
-            <a:effectRef idx="0">
-              <a:schemeClr val="accent1"/>
-            </a:effectRef>
-            <a:fontRef idx="minor">
-              <a:schemeClr val="lt1"/>
-            </a:fontRef>
-          </p:style>
-          <p:txBody>
-            <a:bodyPr rtlCol="0" anchor="ctr"/>
-            <a:lstStyle/>
-            <a:p>
-              <a:pPr algn="ctr"/>
-              <a:endParaRPr lang="en-US" dirty="0"/>
-            </a:p>
-          </p:txBody>
-        </p:sp>
-      </p:grpSp>
-      <p:grpSp>
-        <p:nvGrpSpPr>
-          <p:cNvPr id="50" name="Group 49">
-            <a:extLst>
-              <a:ext uri="{FF2B5EF4-FFF2-40B4-BE49-F238E27FC236}">
-                <a16:creationId xmlns:a16="http://schemas.microsoft.com/office/drawing/2014/main" id="{E306DB5C-8BBD-F2E5-6DC4-D1A5ECE5E180}"/>
-              </a:ext>
-            </a:extLst>
-          </p:cNvPr>
-          <p:cNvGrpSpPr/>
-          <p:nvPr/>
-        </p:nvGrpSpPr>
-        <p:grpSpPr>
-          <a:xfrm>
-            <a:off x="13198787" y="8907462"/>
-            <a:ext cx="1729187" cy="472273"/>
-            <a:chOff x="8818517" y="5128260"/>
-            <a:chExt cx="1920919" cy="563880"/>
-          </a:xfrm>
-          <a:solidFill>
-            <a:schemeClr val="bg1">
-              <a:lumMod val="75000"/>
-            </a:schemeClr>
-          </a:solidFill>
-        </p:grpSpPr>
-        <p:sp>
-          <p:nvSpPr>
-            <p:cNvPr id="52" name="Rectangle: Rounded Corners 51">
+        </p:pic>
+        <p:pic>
+          <p:nvPicPr>
+            <p:cNvPr id="38" name="Picture 37" descr="A grey barrel with a black background&#10;&#10;AI-generated content may be incorrect.">
               <a:extLst>
                 <a:ext uri="{FF2B5EF4-FFF2-40B4-BE49-F238E27FC236}">
-                  <a16:creationId xmlns:a16="http://schemas.microsoft.com/office/drawing/2014/main" id="{8EEF263A-30D6-1D78-51E1-60E3D5850DC8}"/>
+                  <a16:creationId xmlns:a16="http://schemas.microsoft.com/office/drawing/2014/main" id="{16CE63BD-6EFF-83FA-0742-E9243B1D315C}"/>
                 </a:ext>
               </a:extLst>
             </p:cNvPr>
-            <p:cNvSpPr/>
+            <p:cNvPicPr>
+              <a:picLocks noChangeAspect="1"/>
+            </p:cNvPicPr>
             <p:nvPr/>
-          </p:nvSpPr>
+          </p:nvPicPr>
+          <p:blipFill>
+            <a:blip r:embed="rId4">
+              <a:extLst>
+                <a:ext uri="{28A0092B-C50C-407E-A947-70E740481C1C}">
+                  <a14:useLocalDpi xmlns:a14="http://schemas.microsoft.com/office/drawing/2010/main" val="0"/>
+                </a:ext>
+              </a:extLst>
+            </a:blip>
+            <a:srcRect t="9640" b="61840"/>
+            <a:stretch/>
+          </p:blipFill>
           <p:spPr>
             <a:xfrm>
-              <a:off x="8818517" y="5128260"/>
-              <a:ext cx="1920919" cy="563880"/>
-            </a:xfrm>
-            <a:prstGeom prst="roundRect">
-              <a:avLst/>
-            </a:prstGeom>
-            <a:grpFill/>
-            <a:ln>
-              <a:noFill/>
-            </a:ln>
-          </p:spPr>
-          <p:style>
-            <a:lnRef idx="2">
-              <a:schemeClr val="accent1">
-                <a:shade val="15000"/>
-              </a:schemeClr>
-            </a:lnRef>
-            <a:fillRef idx="1">
-              <a:schemeClr val="accent1"/>
-            </a:fillRef>
-            <a:effectRef idx="0">
-              <a:schemeClr val="accent1"/>
-            </a:effectRef>
-            <a:fontRef idx="minor">
-              <a:schemeClr val="lt1"/>
-            </a:fontRef>
-          </p:style>
-          <p:txBody>
-            <a:bodyPr rtlCol="0" anchor="ctr"/>
-            <a:lstStyle/>
-            <a:p>
-              <a:pPr algn="ctr"/>
-              <a:endParaRPr lang="en-US"/>
-            </a:p>
-          </p:txBody>
-        </p:sp>
-        <p:sp>
-          <p:nvSpPr>
-            <p:cNvPr id="53" name="Rectangle 52">
-              <a:extLst>
-                <a:ext uri="{FF2B5EF4-FFF2-40B4-BE49-F238E27FC236}">
-                  <a16:creationId xmlns:a16="http://schemas.microsoft.com/office/drawing/2014/main" id="{D358EC7B-9F7A-2C50-C7B1-724A7164F330}"/>
-                </a:ext>
-              </a:extLst>
-            </p:cNvPr>
-            <p:cNvSpPr/>
-            <p:nvPr/>
-          </p:nvSpPr>
-          <p:spPr>
-            <a:xfrm>
-              <a:off x="8982075" y="5128260"/>
-              <a:ext cx="1757360" cy="563880"/>
+              <a:off x="11831952" y="5950903"/>
+              <a:ext cx="4189655" cy="1566299"/>
             </a:xfrm>
             <a:prstGeom prst="rect">
               <a:avLst/>
             </a:prstGeom>
-            <a:grpFill/>
-            <a:ln>
-              <a:noFill/>
-            </a:ln>
           </p:spPr>
-          <p:style>
-            <a:lnRef idx="2">
-              <a:schemeClr val="accent1">
-                <a:shade val="15000"/>
-              </a:schemeClr>
-            </a:lnRef>
-            <a:fillRef idx="1">
-              <a:schemeClr val="accent1"/>
-            </a:fillRef>
-            <a:effectRef idx="0">
-              <a:schemeClr val="accent1"/>
-            </a:effectRef>
-            <a:fontRef idx="minor">
-              <a:schemeClr val="lt1"/>
-            </a:fontRef>
-          </p:style>
-          <p:txBody>
-            <a:bodyPr rtlCol="0" anchor="ctr"/>
-            <a:lstStyle/>
-            <a:p>
-              <a:pPr algn="ctr"/>
-              <a:endParaRPr lang="en-US" dirty="0"/>
-            </a:p>
-          </p:txBody>
-        </p:sp>
-      </p:grpSp>
-      <p:grpSp>
-        <p:nvGrpSpPr>
-          <p:cNvPr id="54" name="Group 53">
-            <a:extLst>
-              <a:ext uri="{FF2B5EF4-FFF2-40B4-BE49-F238E27FC236}">
-                <a16:creationId xmlns:a16="http://schemas.microsoft.com/office/drawing/2014/main" id="{7F8E68FC-9B82-298D-361A-D508F2E0528C}"/>
-              </a:ext>
-            </a:extLst>
-          </p:cNvPr>
-          <p:cNvGrpSpPr/>
-          <p:nvPr/>
-        </p:nvGrpSpPr>
-        <p:grpSpPr>
-          <a:xfrm>
-            <a:off x="13403056" y="6784975"/>
-            <a:ext cx="1528093" cy="155268"/>
-            <a:chOff x="8818517" y="5128260"/>
-            <a:chExt cx="1920919" cy="563880"/>
-          </a:xfrm>
-          <a:solidFill>
-            <a:schemeClr val="bg1">
-              <a:lumMod val="85000"/>
-            </a:schemeClr>
-          </a:solidFill>
-        </p:grpSpPr>
-        <p:sp>
-          <p:nvSpPr>
-            <p:cNvPr id="55" name="Rectangle: Rounded Corners 54">
+        </p:pic>
+        <p:grpSp>
+          <p:nvGrpSpPr>
+            <p:cNvPr id="39" name="Group 38">
               <a:extLst>
                 <a:ext uri="{FF2B5EF4-FFF2-40B4-BE49-F238E27FC236}">
-                  <a16:creationId xmlns:a16="http://schemas.microsoft.com/office/drawing/2014/main" id="{C21BF3B6-01AD-6EAA-7EF5-BA9CE5E0170A}"/>
+                  <a16:creationId xmlns:a16="http://schemas.microsoft.com/office/drawing/2014/main" id="{163BFFE0-00AC-6707-C78E-F4B3DDAB2121}"/>
                 </a:ext>
               </a:extLst>
             </p:cNvPr>
-            <p:cNvSpPr/>
+            <p:cNvGrpSpPr/>
             <p:nvPr/>
-          </p:nvSpPr>
-          <p:spPr>
+          </p:nvGrpSpPr>
+          <p:grpSpPr>
             <a:xfrm>
-              <a:off x="8818517" y="5128260"/>
-              <a:ext cx="1920919" cy="563880"/>
+              <a:off x="13198787" y="6704013"/>
+              <a:ext cx="1729188" cy="312692"/>
+              <a:chOff x="8818517" y="5128260"/>
+              <a:chExt cx="1920919" cy="563880"/>
             </a:xfrm>
-            <a:prstGeom prst="roundRect">
-              <a:avLst/>
-            </a:prstGeom>
-            <a:grpFill/>
-            <a:ln>
-              <a:noFill/>
-            </a:ln>
-          </p:spPr>
-          <p:style>
-            <a:lnRef idx="2">
-              <a:schemeClr val="accent1">
-                <a:shade val="15000"/>
+            <a:solidFill>
+              <a:schemeClr val="bg1">
+                <a:lumMod val="75000"/>
               </a:schemeClr>
-            </a:lnRef>
-            <a:fillRef idx="1">
-              <a:schemeClr val="accent1"/>
-            </a:fillRef>
-            <a:effectRef idx="0">
-              <a:schemeClr val="accent1"/>
-            </a:effectRef>
-            <a:fontRef idx="minor">
-              <a:schemeClr val="lt1"/>
-            </a:fontRef>
-          </p:style>
-          <p:txBody>
-            <a:bodyPr rtlCol="0" anchor="ctr"/>
-            <a:lstStyle/>
-            <a:p>
-              <a:pPr algn="ctr"/>
-              <a:endParaRPr lang="en-US"/>
-            </a:p>
-          </p:txBody>
-        </p:sp>
-        <p:sp>
-          <p:nvSpPr>
-            <p:cNvPr id="56" name="Rectangle 55">
+            </a:solidFill>
+          </p:grpSpPr>
+          <p:sp>
+            <p:nvSpPr>
+              <p:cNvPr id="40" name="Rectangle: Rounded Corners 39">
+                <a:extLst>
+                  <a:ext uri="{FF2B5EF4-FFF2-40B4-BE49-F238E27FC236}">
+                    <a16:creationId xmlns:a16="http://schemas.microsoft.com/office/drawing/2014/main" id="{945A3705-3F65-F6EE-A76C-811716C4F790}"/>
+                  </a:ext>
+                </a:extLst>
+              </p:cNvPr>
+              <p:cNvSpPr/>
+              <p:nvPr/>
+            </p:nvSpPr>
+            <p:spPr>
+              <a:xfrm>
+                <a:off x="8818517" y="5128260"/>
+                <a:ext cx="1920919" cy="563880"/>
+              </a:xfrm>
+              <a:prstGeom prst="roundRect">
+                <a:avLst/>
+              </a:prstGeom>
+              <a:grpFill/>
+              <a:ln>
+                <a:noFill/>
+              </a:ln>
+            </p:spPr>
+            <p:style>
+              <a:lnRef idx="2">
+                <a:schemeClr val="accent1">
+                  <a:shade val="15000"/>
+                </a:schemeClr>
+              </a:lnRef>
+              <a:fillRef idx="1">
+                <a:schemeClr val="accent1"/>
+              </a:fillRef>
+              <a:effectRef idx="0">
+                <a:schemeClr val="accent1"/>
+              </a:effectRef>
+              <a:fontRef idx="minor">
+                <a:schemeClr val="lt1"/>
+              </a:fontRef>
+            </p:style>
+            <p:txBody>
+              <a:bodyPr rtlCol="0" anchor="ctr"/>
+              <a:lstStyle/>
+              <a:p>
+                <a:pPr algn="ctr"/>
+                <a:endParaRPr lang="en-US"/>
+              </a:p>
+            </p:txBody>
+          </p:sp>
+          <p:sp>
+            <p:nvSpPr>
+              <p:cNvPr id="41" name="Rectangle 40">
+                <a:extLst>
+                  <a:ext uri="{FF2B5EF4-FFF2-40B4-BE49-F238E27FC236}">
+                    <a16:creationId xmlns:a16="http://schemas.microsoft.com/office/drawing/2014/main" id="{A0F2BACD-33F7-D8FA-A620-1F74C4F5D730}"/>
+                  </a:ext>
+                </a:extLst>
+              </p:cNvPr>
+              <p:cNvSpPr/>
+              <p:nvPr/>
+            </p:nvSpPr>
+            <p:spPr>
+              <a:xfrm>
+                <a:off x="8982075" y="5128260"/>
+                <a:ext cx="1757360" cy="563880"/>
+              </a:xfrm>
+              <a:prstGeom prst="rect">
+                <a:avLst/>
+              </a:prstGeom>
+              <a:grpFill/>
+              <a:ln>
+                <a:noFill/>
+              </a:ln>
+            </p:spPr>
+            <p:style>
+              <a:lnRef idx="2">
+                <a:schemeClr val="accent1">
+                  <a:shade val="15000"/>
+                </a:schemeClr>
+              </a:lnRef>
+              <a:fillRef idx="1">
+                <a:schemeClr val="accent1"/>
+              </a:fillRef>
+              <a:effectRef idx="0">
+                <a:schemeClr val="accent1"/>
+              </a:effectRef>
+              <a:fontRef idx="minor">
+                <a:schemeClr val="lt1"/>
+              </a:fontRef>
+            </p:style>
+            <p:txBody>
+              <a:bodyPr rtlCol="0" anchor="ctr"/>
+              <a:lstStyle/>
+              <a:p>
+                <a:pPr algn="ctr"/>
+                <a:endParaRPr lang="en-US"/>
+              </a:p>
+            </p:txBody>
+          </p:sp>
+        </p:grpSp>
+        <p:grpSp>
+          <p:nvGrpSpPr>
+            <p:cNvPr id="45" name="Group 44">
               <a:extLst>
                 <a:ext uri="{FF2B5EF4-FFF2-40B4-BE49-F238E27FC236}">
-                  <a16:creationId xmlns:a16="http://schemas.microsoft.com/office/drawing/2014/main" id="{10CEC65A-1011-CD87-BD13-310D41CFF5CF}"/>
+                  <a16:creationId xmlns:a16="http://schemas.microsoft.com/office/drawing/2014/main" id="{801064E4-CEB8-C4B2-FE5D-09F6AB94B4C7}"/>
                 </a:ext>
               </a:extLst>
             </p:cNvPr>
-            <p:cNvSpPr/>
+            <p:cNvGrpSpPr/>
             <p:nvPr/>
-          </p:nvSpPr>
-          <p:spPr>
+          </p:nvGrpSpPr>
+          <p:grpSpPr>
             <a:xfrm>
-              <a:off x="8982075" y="5128260"/>
-              <a:ext cx="1757360" cy="563880"/>
+              <a:off x="13198787" y="7604125"/>
+              <a:ext cx="1718140" cy="742950"/>
+              <a:chOff x="8818517" y="5128260"/>
+              <a:chExt cx="1920919" cy="563880"/>
             </a:xfrm>
-            <a:prstGeom prst="rect">
-              <a:avLst/>
-            </a:prstGeom>
-            <a:grpFill/>
-            <a:ln>
-              <a:noFill/>
-            </a:ln>
-          </p:spPr>
-          <p:style>
-            <a:lnRef idx="2">
-              <a:schemeClr val="accent1">
-                <a:shade val="15000"/>
+            <a:solidFill>
+              <a:schemeClr val="bg1">
+                <a:lumMod val="75000"/>
               </a:schemeClr>
-            </a:lnRef>
-            <a:fillRef idx="1">
-              <a:schemeClr val="accent1"/>
-            </a:fillRef>
-            <a:effectRef idx="0">
-              <a:schemeClr val="accent1"/>
-            </a:effectRef>
-            <a:fontRef idx="minor">
-              <a:schemeClr val="lt1"/>
-            </a:fontRef>
-          </p:style>
-          <p:txBody>
-            <a:bodyPr rtlCol="0" anchor="ctr"/>
-            <a:lstStyle/>
-            <a:p>
-              <a:pPr algn="ctr"/>
-              <a:endParaRPr lang="en-US"/>
-            </a:p>
-          </p:txBody>
-        </p:sp>
-      </p:grpSp>
-      <p:grpSp>
-        <p:nvGrpSpPr>
-          <p:cNvPr id="58" name="Group 57">
-            <a:extLst>
-              <a:ext uri="{FF2B5EF4-FFF2-40B4-BE49-F238E27FC236}">
-                <a16:creationId xmlns:a16="http://schemas.microsoft.com/office/drawing/2014/main" id="{75124A2A-3789-73DE-1922-EBE1EC977876}"/>
-              </a:ext>
-            </a:extLst>
-          </p:cNvPr>
-          <p:cNvGrpSpPr/>
-          <p:nvPr/>
-        </p:nvGrpSpPr>
-        <p:grpSpPr>
-          <a:xfrm>
-            <a:off x="13436458" y="7755327"/>
-            <a:ext cx="1480468" cy="446972"/>
-            <a:chOff x="8818517" y="5128260"/>
-            <a:chExt cx="1920919" cy="563880"/>
-          </a:xfrm>
-          <a:solidFill>
-            <a:schemeClr val="bg1">
-              <a:lumMod val="85000"/>
-            </a:schemeClr>
-          </a:solidFill>
-        </p:grpSpPr>
-        <p:sp>
-          <p:nvSpPr>
-            <p:cNvPr id="60" name="Rectangle: Rounded Corners 59">
+            </a:solidFill>
+          </p:grpSpPr>
+          <p:sp>
+            <p:nvSpPr>
+              <p:cNvPr id="47" name="Rectangle: Rounded Corners 46">
+                <a:extLst>
+                  <a:ext uri="{FF2B5EF4-FFF2-40B4-BE49-F238E27FC236}">
+                    <a16:creationId xmlns:a16="http://schemas.microsoft.com/office/drawing/2014/main" id="{8B185E27-93EF-00D5-5E5C-454B95540E82}"/>
+                  </a:ext>
+                </a:extLst>
+              </p:cNvPr>
+              <p:cNvSpPr/>
+              <p:nvPr/>
+            </p:nvSpPr>
+            <p:spPr>
+              <a:xfrm>
+                <a:off x="8818517" y="5128260"/>
+                <a:ext cx="1920919" cy="563880"/>
+              </a:xfrm>
+              <a:prstGeom prst="roundRect">
+                <a:avLst/>
+              </a:prstGeom>
+              <a:grpFill/>
+              <a:ln>
+                <a:noFill/>
+              </a:ln>
+            </p:spPr>
+            <p:style>
+              <a:lnRef idx="2">
+                <a:schemeClr val="accent1">
+                  <a:shade val="15000"/>
+                </a:schemeClr>
+              </a:lnRef>
+              <a:fillRef idx="1">
+                <a:schemeClr val="accent1"/>
+              </a:fillRef>
+              <a:effectRef idx="0">
+                <a:schemeClr val="accent1"/>
+              </a:effectRef>
+              <a:fontRef idx="minor">
+                <a:schemeClr val="lt1"/>
+              </a:fontRef>
+            </p:style>
+            <p:txBody>
+              <a:bodyPr rtlCol="0" anchor="ctr"/>
+              <a:lstStyle/>
+              <a:p>
+                <a:pPr algn="ctr"/>
+                <a:endParaRPr lang="en-US"/>
+              </a:p>
+            </p:txBody>
+          </p:sp>
+          <p:sp>
+            <p:nvSpPr>
+              <p:cNvPr id="48" name="Rectangle 47">
+                <a:extLst>
+                  <a:ext uri="{FF2B5EF4-FFF2-40B4-BE49-F238E27FC236}">
+                    <a16:creationId xmlns:a16="http://schemas.microsoft.com/office/drawing/2014/main" id="{EFB58B66-7653-AD45-6C14-938AAD4DC5CE}"/>
+                  </a:ext>
+                </a:extLst>
+              </p:cNvPr>
+              <p:cNvSpPr/>
+              <p:nvPr/>
+            </p:nvSpPr>
+            <p:spPr>
+              <a:xfrm>
+                <a:off x="8982075" y="5128260"/>
+                <a:ext cx="1757360" cy="563880"/>
+              </a:xfrm>
+              <a:prstGeom prst="rect">
+                <a:avLst/>
+              </a:prstGeom>
+              <a:grpFill/>
+              <a:ln>
+                <a:noFill/>
+              </a:ln>
+            </p:spPr>
+            <p:style>
+              <a:lnRef idx="2">
+                <a:schemeClr val="accent1">
+                  <a:shade val="15000"/>
+                </a:schemeClr>
+              </a:lnRef>
+              <a:fillRef idx="1">
+                <a:schemeClr val="accent1"/>
+              </a:fillRef>
+              <a:effectRef idx="0">
+                <a:schemeClr val="accent1"/>
+              </a:effectRef>
+              <a:fontRef idx="minor">
+                <a:schemeClr val="lt1"/>
+              </a:fontRef>
+            </p:style>
+            <p:txBody>
+              <a:bodyPr rtlCol="0" anchor="ctr"/>
+              <a:lstStyle/>
+              <a:p>
+                <a:pPr algn="ctr"/>
+                <a:endParaRPr lang="en-US" dirty="0"/>
+              </a:p>
+            </p:txBody>
+          </p:sp>
+        </p:grpSp>
+        <p:grpSp>
+          <p:nvGrpSpPr>
+            <p:cNvPr id="50" name="Group 49">
               <a:extLst>
                 <a:ext uri="{FF2B5EF4-FFF2-40B4-BE49-F238E27FC236}">
-                  <a16:creationId xmlns:a16="http://schemas.microsoft.com/office/drawing/2014/main" id="{C670F7E8-9643-9E64-41F9-0A5C077FD9C7}"/>
+                  <a16:creationId xmlns:a16="http://schemas.microsoft.com/office/drawing/2014/main" id="{E306DB5C-8BBD-F2E5-6DC4-D1A5ECE5E180}"/>
                 </a:ext>
               </a:extLst>
             </p:cNvPr>
-            <p:cNvSpPr/>
+            <p:cNvGrpSpPr/>
             <p:nvPr/>
-          </p:nvSpPr>
-          <p:spPr>
+          </p:nvGrpSpPr>
+          <p:grpSpPr>
             <a:xfrm>
-              <a:off x="8818517" y="5128260"/>
-              <a:ext cx="1920919" cy="563880"/>
+              <a:off x="13198787" y="8907462"/>
+              <a:ext cx="1729187" cy="472273"/>
+              <a:chOff x="8818517" y="5128260"/>
+              <a:chExt cx="1920919" cy="563880"/>
             </a:xfrm>
-            <a:prstGeom prst="roundRect">
-              <a:avLst/>
-            </a:prstGeom>
-            <a:grpFill/>
-            <a:ln>
-              <a:noFill/>
-            </a:ln>
-          </p:spPr>
-          <p:style>
-            <a:lnRef idx="2">
-              <a:schemeClr val="accent1">
-                <a:shade val="15000"/>
+            <a:solidFill>
+              <a:schemeClr val="bg1">
+                <a:lumMod val="75000"/>
               </a:schemeClr>
-            </a:lnRef>
-            <a:fillRef idx="1">
-              <a:schemeClr val="accent1"/>
-            </a:fillRef>
-            <a:effectRef idx="0">
-              <a:schemeClr val="accent1"/>
-            </a:effectRef>
-            <a:fontRef idx="minor">
-              <a:schemeClr val="lt1"/>
-            </a:fontRef>
-          </p:style>
-          <p:txBody>
-            <a:bodyPr rtlCol="0" anchor="ctr"/>
-            <a:lstStyle/>
-            <a:p>
-              <a:pPr algn="ctr"/>
-              <a:endParaRPr lang="en-US"/>
-            </a:p>
-          </p:txBody>
-        </p:sp>
-        <p:sp>
-          <p:nvSpPr>
-            <p:cNvPr id="61" name="Rectangle 60">
+            </a:solidFill>
+          </p:grpSpPr>
+          <p:sp>
+            <p:nvSpPr>
+              <p:cNvPr id="52" name="Rectangle: Rounded Corners 51">
+                <a:extLst>
+                  <a:ext uri="{FF2B5EF4-FFF2-40B4-BE49-F238E27FC236}">
+                    <a16:creationId xmlns:a16="http://schemas.microsoft.com/office/drawing/2014/main" id="{8EEF263A-30D6-1D78-51E1-60E3D5850DC8}"/>
+                  </a:ext>
+                </a:extLst>
+              </p:cNvPr>
+              <p:cNvSpPr/>
+              <p:nvPr/>
+            </p:nvSpPr>
+            <p:spPr>
+              <a:xfrm>
+                <a:off x="8818517" y="5128260"/>
+                <a:ext cx="1920919" cy="563880"/>
+              </a:xfrm>
+              <a:prstGeom prst="roundRect">
+                <a:avLst/>
+              </a:prstGeom>
+              <a:grpFill/>
+              <a:ln>
+                <a:noFill/>
+              </a:ln>
+            </p:spPr>
+            <p:style>
+              <a:lnRef idx="2">
+                <a:schemeClr val="accent1">
+                  <a:shade val="15000"/>
+                </a:schemeClr>
+              </a:lnRef>
+              <a:fillRef idx="1">
+                <a:schemeClr val="accent1"/>
+              </a:fillRef>
+              <a:effectRef idx="0">
+                <a:schemeClr val="accent1"/>
+              </a:effectRef>
+              <a:fontRef idx="minor">
+                <a:schemeClr val="lt1"/>
+              </a:fontRef>
+            </p:style>
+            <p:txBody>
+              <a:bodyPr rtlCol="0" anchor="ctr"/>
+              <a:lstStyle/>
+              <a:p>
+                <a:pPr algn="ctr"/>
+                <a:endParaRPr lang="en-US"/>
+              </a:p>
+            </p:txBody>
+          </p:sp>
+          <p:sp>
+            <p:nvSpPr>
+              <p:cNvPr id="53" name="Rectangle 52">
+                <a:extLst>
+                  <a:ext uri="{FF2B5EF4-FFF2-40B4-BE49-F238E27FC236}">
+                    <a16:creationId xmlns:a16="http://schemas.microsoft.com/office/drawing/2014/main" id="{D358EC7B-9F7A-2C50-C7B1-724A7164F330}"/>
+                  </a:ext>
+                </a:extLst>
+              </p:cNvPr>
+              <p:cNvSpPr/>
+              <p:nvPr/>
+            </p:nvSpPr>
+            <p:spPr>
+              <a:xfrm>
+                <a:off x="8982075" y="5128260"/>
+                <a:ext cx="1757360" cy="563880"/>
+              </a:xfrm>
+              <a:prstGeom prst="rect">
+                <a:avLst/>
+              </a:prstGeom>
+              <a:grpFill/>
+              <a:ln>
+                <a:noFill/>
+              </a:ln>
+            </p:spPr>
+            <p:style>
+              <a:lnRef idx="2">
+                <a:schemeClr val="accent1">
+                  <a:shade val="15000"/>
+                </a:schemeClr>
+              </a:lnRef>
+              <a:fillRef idx="1">
+                <a:schemeClr val="accent1"/>
+              </a:fillRef>
+              <a:effectRef idx="0">
+                <a:schemeClr val="accent1"/>
+              </a:effectRef>
+              <a:fontRef idx="minor">
+                <a:schemeClr val="lt1"/>
+              </a:fontRef>
+            </p:style>
+            <p:txBody>
+              <a:bodyPr rtlCol="0" anchor="ctr"/>
+              <a:lstStyle/>
+              <a:p>
+                <a:pPr algn="ctr"/>
+                <a:endParaRPr lang="en-US" dirty="0"/>
+              </a:p>
+            </p:txBody>
+          </p:sp>
+        </p:grpSp>
+        <p:grpSp>
+          <p:nvGrpSpPr>
+            <p:cNvPr id="54" name="Group 53">
               <a:extLst>
                 <a:ext uri="{FF2B5EF4-FFF2-40B4-BE49-F238E27FC236}">
-                  <a16:creationId xmlns:a16="http://schemas.microsoft.com/office/drawing/2014/main" id="{92937BE8-09C1-1397-0B9C-CC69D50CD7EA}"/>
+                  <a16:creationId xmlns:a16="http://schemas.microsoft.com/office/drawing/2014/main" id="{7F8E68FC-9B82-298D-361A-D508F2E0528C}"/>
                 </a:ext>
               </a:extLst>
             </p:cNvPr>
-            <p:cNvSpPr/>
+            <p:cNvGrpSpPr/>
             <p:nvPr/>
-          </p:nvSpPr>
-          <p:spPr>
+          </p:nvGrpSpPr>
+          <p:grpSpPr>
             <a:xfrm>
-              <a:off x="8982075" y="5128260"/>
-              <a:ext cx="1757360" cy="563880"/>
+              <a:off x="13403056" y="6784975"/>
+              <a:ext cx="1528093" cy="155268"/>
+              <a:chOff x="8818517" y="5128260"/>
+              <a:chExt cx="1920919" cy="563880"/>
             </a:xfrm>
-            <a:prstGeom prst="rect">
-              <a:avLst/>
-            </a:prstGeom>
-            <a:grpFill/>
-            <a:ln>
-              <a:noFill/>
-            </a:ln>
-          </p:spPr>
-          <p:style>
-            <a:lnRef idx="2">
-              <a:schemeClr val="accent1">
-                <a:shade val="15000"/>
+            <a:solidFill>
+              <a:schemeClr val="bg1">
+                <a:lumMod val="85000"/>
               </a:schemeClr>
-            </a:lnRef>
-            <a:fillRef idx="1">
-              <a:schemeClr val="accent1"/>
-            </a:fillRef>
-            <a:effectRef idx="0">
-              <a:schemeClr val="accent1"/>
-            </a:effectRef>
-            <a:fontRef idx="minor">
-              <a:schemeClr val="lt1"/>
-            </a:fontRef>
-          </p:style>
-          <p:txBody>
-            <a:bodyPr rtlCol="0" anchor="ctr"/>
-            <a:lstStyle/>
-            <a:p>
-              <a:pPr algn="ctr"/>
-              <a:endParaRPr lang="en-US" dirty="0"/>
-            </a:p>
-          </p:txBody>
-        </p:sp>
-      </p:grpSp>
-      <p:grpSp>
-        <p:nvGrpSpPr>
-          <p:cNvPr id="62" name="Group 61">
-            <a:extLst>
-              <a:ext uri="{FF2B5EF4-FFF2-40B4-BE49-F238E27FC236}">
-                <a16:creationId xmlns:a16="http://schemas.microsoft.com/office/drawing/2014/main" id="{B1253BB6-EFCC-6FFC-A38F-24C805C8BC4C}"/>
-              </a:ext>
-            </a:extLst>
-          </p:cNvPr>
-          <p:cNvGrpSpPr/>
-          <p:nvPr/>
-        </p:nvGrpSpPr>
-        <p:grpSpPr>
-          <a:xfrm>
-            <a:off x="13516561" y="9003155"/>
-            <a:ext cx="1413793" cy="299235"/>
-            <a:chOff x="8818517" y="5128260"/>
-            <a:chExt cx="1920919" cy="563880"/>
-          </a:xfrm>
-          <a:solidFill>
-            <a:schemeClr val="bg1">
-              <a:lumMod val="85000"/>
-            </a:schemeClr>
-          </a:solidFill>
-        </p:grpSpPr>
-        <p:sp>
-          <p:nvSpPr>
-            <p:cNvPr id="63" name="Rectangle: Rounded Corners 62">
+            </a:solidFill>
+          </p:grpSpPr>
+          <p:sp>
+            <p:nvSpPr>
+              <p:cNvPr id="55" name="Rectangle: Rounded Corners 54">
+                <a:extLst>
+                  <a:ext uri="{FF2B5EF4-FFF2-40B4-BE49-F238E27FC236}">
+                    <a16:creationId xmlns:a16="http://schemas.microsoft.com/office/drawing/2014/main" id="{C21BF3B6-01AD-6EAA-7EF5-BA9CE5E0170A}"/>
+                  </a:ext>
+                </a:extLst>
+              </p:cNvPr>
+              <p:cNvSpPr/>
+              <p:nvPr/>
+            </p:nvSpPr>
+            <p:spPr>
+              <a:xfrm>
+                <a:off x="8818517" y="5128260"/>
+                <a:ext cx="1920919" cy="563880"/>
+              </a:xfrm>
+              <a:prstGeom prst="roundRect">
+                <a:avLst/>
+              </a:prstGeom>
+              <a:grpFill/>
+              <a:ln>
+                <a:noFill/>
+              </a:ln>
+            </p:spPr>
+            <p:style>
+              <a:lnRef idx="2">
+                <a:schemeClr val="accent1">
+                  <a:shade val="15000"/>
+                </a:schemeClr>
+              </a:lnRef>
+              <a:fillRef idx="1">
+                <a:schemeClr val="accent1"/>
+              </a:fillRef>
+              <a:effectRef idx="0">
+                <a:schemeClr val="accent1"/>
+              </a:effectRef>
+              <a:fontRef idx="minor">
+                <a:schemeClr val="lt1"/>
+              </a:fontRef>
+            </p:style>
+            <p:txBody>
+              <a:bodyPr rtlCol="0" anchor="ctr"/>
+              <a:lstStyle/>
+              <a:p>
+                <a:pPr algn="ctr"/>
+                <a:endParaRPr lang="en-US"/>
+              </a:p>
+            </p:txBody>
+          </p:sp>
+          <p:sp>
+            <p:nvSpPr>
+              <p:cNvPr id="56" name="Rectangle 55">
+                <a:extLst>
+                  <a:ext uri="{FF2B5EF4-FFF2-40B4-BE49-F238E27FC236}">
+                    <a16:creationId xmlns:a16="http://schemas.microsoft.com/office/drawing/2014/main" id="{10CEC65A-1011-CD87-BD13-310D41CFF5CF}"/>
+                  </a:ext>
+                </a:extLst>
+              </p:cNvPr>
+              <p:cNvSpPr/>
+              <p:nvPr/>
+            </p:nvSpPr>
+            <p:spPr>
+              <a:xfrm>
+                <a:off x="8982075" y="5128260"/>
+                <a:ext cx="1757360" cy="563880"/>
+              </a:xfrm>
+              <a:prstGeom prst="rect">
+                <a:avLst/>
+              </a:prstGeom>
+              <a:grpFill/>
+              <a:ln>
+                <a:noFill/>
+              </a:ln>
+            </p:spPr>
+            <p:style>
+              <a:lnRef idx="2">
+                <a:schemeClr val="accent1">
+                  <a:shade val="15000"/>
+                </a:schemeClr>
+              </a:lnRef>
+              <a:fillRef idx="1">
+                <a:schemeClr val="accent1"/>
+              </a:fillRef>
+              <a:effectRef idx="0">
+                <a:schemeClr val="accent1"/>
+              </a:effectRef>
+              <a:fontRef idx="minor">
+                <a:schemeClr val="lt1"/>
+              </a:fontRef>
+            </p:style>
+            <p:txBody>
+              <a:bodyPr rtlCol="0" anchor="ctr"/>
+              <a:lstStyle/>
+              <a:p>
+                <a:pPr algn="ctr"/>
+                <a:endParaRPr lang="en-US"/>
+              </a:p>
+            </p:txBody>
+          </p:sp>
+        </p:grpSp>
+        <p:grpSp>
+          <p:nvGrpSpPr>
+            <p:cNvPr id="58" name="Group 57">
               <a:extLst>
                 <a:ext uri="{FF2B5EF4-FFF2-40B4-BE49-F238E27FC236}">
-                  <a16:creationId xmlns:a16="http://schemas.microsoft.com/office/drawing/2014/main" id="{D363FBD3-2B1C-89D7-A4C3-F73EE6483481}"/>
+                  <a16:creationId xmlns:a16="http://schemas.microsoft.com/office/drawing/2014/main" id="{75124A2A-3789-73DE-1922-EBE1EC977876}"/>
                 </a:ext>
               </a:extLst>
             </p:cNvPr>
-            <p:cNvSpPr/>
+            <p:cNvGrpSpPr/>
             <p:nvPr/>
-          </p:nvSpPr>
-          <p:spPr>
+          </p:nvGrpSpPr>
+          <p:grpSpPr>
             <a:xfrm>
-              <a:off x="8818517" y="5128260"/>
-              <a:ext cx="1920919" cy="563880"/>
+              <a:off x="13436458" y="7755327"/>
+              <a:ext cx="1480468" cy="446972"/>
+              <a:chOff x="8818517" y="5128260"/>
+              <a:chExt cx="1920919" cy="563880"/>
             </a:xfrm>
-            <a:prstGeom prst="roundRect">
-              <a:avLst/>
-            </a:prstGeom>
-            <a:grpFill/>
-            <a:ln>
-              <a:noFill/>
-            </a:ln>
-          </p:spPr>
-          <p:style>
-            <a:lnRef idx="2">
-              <a:schemeClr val="accent1">
-                <a:shade val="15000"/>
+            <a:solidFill>
+              <a:schemeClr val="bg1">
+                <a:lumMod val="85000"/>
               </a:schemeClr>
-            </a:lnRef>
-            <a:fillRef idx="1">
-              <a:schemeClr val="accent1"/>
-            </a:fillRef>
-            <a:effectRef idx="0">
-              <a:schemeClr val="accent1"/>
-            </a:effectRef>
-            <a:fontRef idx="minor">
-              <a:schemeClr val="lt1"/>
-            </a:fontRef>
-          </p:style>
-          <p:txBody>
-            <a:bodyPr rtlCol="0" anchor="ctr"/>
-            <a:lstStyle/>
-            <a:p>
-              <a:pPr algn="ctr"/>
-              <a:endParaRPr lang="en-US"/>
-            </a:p>
-          </p:txBody>
-        </p:sp>
-        <p:sp>
-          <p:nvSpPr>
-            <p:cNvPr id="64" name="Rectangle 63">
+            </a:solidFill>
+          </p:grpSpPr>
+          <p:sp>
+            <p:nvSpPr>
+              <p:cNvPr id="60" name="Rectangle: Rounded Corners 59">
+                <a:extLst>
+                  <a:ext uri="{FF2B5EF4-FFF2-40B4-BE49-F238E27FC236}">
+                    <a16:creationId xmlns:a16="http://schemas.microsoft.com/office/drawing/2014/main" id="{C670F7E8-9643-9E64-41F9-0A5C077FD9C7}"/>
+                  </a:ext>
+                </a:extLst>
+              </p:cNvPr>
+              <p:cNvSpPr/>
+              <p:nvPr/>
+            </p:nvSpPr>
+            <p:spPr>
+              <a:xfrm>
+                <a:off x="8818517" y="5128260"/>
+                <a:ext cx="1920919" cy="563880"/>
+              </a:xfrm>
+              <a:prstGeom prst="roundRect">
+                <a:avLst/>
+              </a:prstGeom>
+              <a:grpFill/>
+              <a:ln>
+                <a:noFill/>
+              </a:ln>
+            </p:spPr>
+            <p:style>
+              <a:lnRef idx="2">
+                <a:schemeClr val="accent1">
+                  <a:shade val="15000"/>
+                </a:schemeClr>
+              </a:lnRef>
+              <a:fillRef idx="1">
+                <a:schemeClr val="accent1"/>
+              </a:fillRef>
+              <a:effectRef idx="0">
+                <a:schemeClr val="accent1"/>
+              </a:effectRef>
+              <a:fontRef idx="minor">
+                <a:schemeClr val="lt1"/>
+              </a:fontRef>
+            </p:style>
+            <p:txBody>
+              <a:bodyPr rtlCol="0" anchor="ctr"/>
+              <a:lstStyle/>
+              <a:p>
+                <a:pPr algn="ctr"/>
+                <a:endParaRPr lang="en-US"/>
+              </a:p>
+            </p:txBody>
+          </p:sp>
+          <p:sp>
+            <p:nvSpPr>
+              <p:cNvPr id="61" name="Rectangle 60">
+                <a:extLst>
+                  <a:ext uri="{FF2B5EF4-FFF2-40B4-BE49-F238E27FC236}">
+                    <a16:creationId xmlns:a16="http://schemas.microsoft.com/office/drawing/2014/main" id="{92937BE8-09C1-1397-0B9C-CC69D50CD7EA}"/>
+                  </a:ext>
+                </a:extLst>
+              </p:cNvPr>
+              <p:cNvSpPr/>
+              <p:nvPr/>
+            </p:nvSpPr>
+            <p:spPr>
+              <a:xfrm>
+                <a:off x="8982075" y="5128260"/>
+                <a:ext cx="1757360" cy="563880"/>
+              </a:xfrm>
+              <a:prstGeom prst="rect">
+                <a:avLst/>
+              </a:prstGeom>
+              <a:grpFill/>
+              <a:ln>
+                <a:noFill/>
+              </a:ln>
+            </p:spPr>
+            <p:style>
+              <a:lnRef idx="2">
+                <a:schemeClr val="accent1">
+                  <a:shade val="15000"/>
+                </a:schemeClr>
+              </a:lnRef>
+              <a:fillRef idx="1">
+                <a:schemeClr val="accent1"/>
+              </a:fillRef>
+              <a:effectRef idx="0">
+                <a:schemeClr val="accent1"/>
+              </a:effectRef>
+              <a:fontRef idx="minor">
+                <a:schemeClr val="lt1"/>
+              </a:fontRef>
+            </p:style>
+            <p:txBody>
+              <a:bodyPr rtlCol="0" anchor="ctr"/>
+              <a:lstStyle/>
+              <a:p>
+                <a:pPr algn="ctr"/>
+                <a:endParaRPr lang="en-US" dirty="0"/>
+              </a:p>
+            </p:txBody>
+          </p:sp>
+        </p:grpSp>
+        <p:grpSp>
+          <p:nvGrpSpPr>
+            <p:cNvPr id="62" name="Group 61">
               <a:extLst>
                 <a:ext uri="{FF2B5EF4-FFF2-40B4-BE49-F238E27FC236}">
-                  <a16:creationId xmlns:a16="http://schemas.microsoft.com/office/drawing/2014/main" id="{6AF414AA-9C3B-4BFF-7FC4-F853FC310F9B}"/>
+                  <a16:creationId xmlns:a16="http://schemas.microsoft.com/office/drawing/2014/main" id="{B1253BB6-EFCC-6FFC-A38F-24C805C8BC4C}"/>
                 </a:ext>
               </a:extLst>
             </p:cNvPr>
-            <p:cNvSpPr/>
+            <p:cNvGrpSpPr/>
             <p:nvPr/>
-          </p:nvSpPr>
-          <p:spPr>
+          </p:nvGrpSpPr>
+          <p:grpSpPr>
             <a:xfrm>
-              <a:off x="8982075" y="5128260"/>
-              <a:ext cx="1757360" cy="563880"/>
+              <a:off x="13516561" y="9003155"/>
+              <a:ext cx="1413793" cy="299235"/>
+              <a:chOff x="8818517" y="5128260"/>
+              <a:chExt cx="1920919" cy="563880"/>
             </a:xfrm>
-            <a:prstGeom prst="rect">
-              <a:avLst/>
-            </a:prstGeom>
-            <a:grpFill/>
-            <a:ln>
-              <a:noFill/>
-            </a:ln>
-          </p:spPr>
-          <p:style>
-            <a:lnRef idx="2">
-              <a:schemeClr val="accent1">
-                <a:shade val="15000"/>
+            <a:solidFill>
+              <a:schemeClr val="bg1">
+                <a:lumMod val="85000"/>
               </a:schemeClr>
-            </a:lnRef>
-            <a:fillRef idx="1">
-              <a:schemeClr val="accent1"/>
-            </a:fillRef>
-            <a:effectRef idx="0">
-              <a:schemeClr val="accent1"/>
-            </a:effectRef>
-            <a:fontRef idx="minor">
-              <a:schemeClr val="lt1"/>
-            </a:fontRef>
-          </p:style>
-          <p:txBody>
-            <a:bodyPr rtlCol="0" anchor="ctr"/>
-            <a:lstStyle/>
-            <a:p>
-              <a:pPr algn="ctr"/>
-              <a:endParaRPr lang="en-US" dirty="0"/>
-            </a:p>
-          </p:txBody>
-        </p:sp>
+            </a:solidFill>
+          </p:grpSpPr>
+          <p:sp>
+            <p:nvSpPr>
+              <p:cNvPr id="63" name="Rectangle: Rounded Corners 62">
+                <a:extLst>
+                  <a:ext uri="{FF2B5EF4-FFF2-40B4-BE49-F238E27FC236}">
+                    <a16:creationId xmlns:a16="http://schemas.microsoft.com/office/drawing/2014/main" id="{D363FBD3-2B1C-89D7-A4C3-F73EE6483481}"/>
+                  </a:ext>
+                </a:extLst>
+              </p:cNvPr>
+              <p:cNvSpPr/>
+              <p:nvPr/>
+            </p:nvSpPr>
+            <p:spPr>
+              <a:xfrm>
+                <a:off x="8818517" y="5128260"/>
+                <a:ext cx="1920919" cy="563880"/>
+              </a:xfrm>
+              <a:prstGeom prst="roundRect">
+                <a:avLst/>
+              </a:prstGeom>
+              <a:grpFill/>
+              <a:ln>
+                <a:noFill/>
+              </a:ln>
+            </p:spPr>
+            <p:style>
+              <a:lnRef idx="2">
+                <a:schemeClr val="accent1">
+                  <a:shade val="15000"/>
+                </a:schemeClr>
+              </a:lnRef>
+              <a:fillRef idx="1">
+                <a:schemeClr val="accent1"/>
+              </a:fillRef>
+              <a:effectRef idx="0">
+                <a:schemeClr val="accent1"/>
+              </a:effectRef>
+              <a:fontRef idx="minor">
+                <a:schemeClr val="lt1"/>
+              </a:fontRef>
+            </p:style>
+            <p:txBody>
+              <a:bodyPr rtlCol="0" anchor="ctr"/>
+              <a:lstStyle/>
+              <a:p>
+                <a:pPr algn="ctr"/>
+                <a:endParaRPr lang="en-US"/>
+              </a:p>
+            </p:txBody>
+          </p:sp>
+          <p:sp>
+            <p:nvSpPr>
+              <p:cNvPr id="64" name="Rectangle 63">
+                <a:extLst>
+                  <a:ext uri="{FF2B5EF4-FFF2-40B4-BE49-F238E27FC236}">
+                    <a16:creationId xmlns:a16="http://schemas.microsoft.com/office/drawing/2014/main" id="{6AF414AA-9C3B-4BFF-7FC4-F853FC310F9B}"/>
+                  </a:ext>
+                </a:extLst>
+              </p:cNvPr>
+              <p:cNvSpPr/>
+              <p:nvPr/>
+            </p:nvSpPr>
+            <p:spPr>
+              <a:xfrm>
+                <a:off x="8982075" y="5128260"/>
+                <a:ext cx="1757360" cy="563880"/>
+              </a:xfrm>
+              <a:prstGeom prst="rect">
+                <a:avLst/>
+              </a:prstGeom>
+              <a:grpFill/>
+              <a:ln>
+                <a:noFill/>
+              </a:ln>
+            </p:spPr>
+            <p:style>
+              <a:lnRef idx="2">
+                <a:schemeClr val="accent1">
+                  <a:shade val="15000"/>
+                </a:schemeClr>
+              </a:lnRef>
+              <a:fillRef idx="1">
+                <a:schemeClr val="accent1"/>
+              </a:fillRef>
+              <a:effectRef idx="0">
+                <a:schemeClr val="accent1"/>
+              </a:effectRef>
+              <a:fontRef idx="minor">
+                <a:schemeClr val="lt1"/>
+              </a:fontRef>
+            </p:style>
+            <p:txBody>
+              <a:bodyPr rtlCol="0" anchor="ctr"/>
+              <a:lstStyle/>
+              <a:p>
+                <a:pPr algn="ctr"/>
+                <a:endParaRPr lang="en-US" dirty="0"/>
+              </a:p>
+            </p:txBody>
+          </p:sp>
+        </p:grpSp>
       </p:grpSp>
       <p:sp>
         <p:nvSpPr>
@@ -24628,10 +24649,10 @@
       </p:cxnSp>
       <p:sp>
         <p:nvSpPr>
-          <p:cNvPr id="17" name="Rectangle 16">
+          <p:cNvPr id="10" name="Oval 9">
             <a:extLst>
               <a:ext uri="{FF2B5EF4-FFF2-40B4-BE49-F238E27FC236}">
-                <a16:creationId xmlns:a16="http://schemas.microsoft.com/office/drawing/2014/main" id="{80E7E465-7F59-338E-83DE-03684D0C5266}"/>
+                <a16:creationId xmlns:a16="http://schemas.microsoft.com/office/drawing/2014/main" id="{8ED9A2BF-4F95-FA64-FBB6-E6101BB509EA}"/>
               </a:ext>
             </a:extLst>
           </p:cNvPr>
@@ -24640,17 +24661,17 @@
         </p:nvSpPr>
         <p:spPr>
           <a:xfrm>
-            <a:off x="11036242" y="697797"/>
-            <a:ext cx="6894286" cy="4364855"/>
+            <a:off x="3726127" y="4661079"/>
+            <a:ext cx="5943279" cy="3541220"/>
           </a:xfrm>
-          <a:prstGeom prst="rect">
+          <a:prstGeom prst="ellipse">
             <a:avLst/>
           </a:prstGeom>
-          <a:solidFill>
-            <a:srgbClr val="FCEDD8"/>
-          </a:solidFill>
-          <a:ln>
-            <a:noFill/>
+          <a:noFill/>
+          <a:ln w="130175">
+            <a:solidFill>
+              <a:schemeClr val="tx1"/>
+            </a:solidFill>
           </a:ln>
         </p:spPr>
         <p:style>
@@ -24680,10 +24701,10 @@
       </p:sp>
       <p:grpSp>
         <p:nvGrpSpPr>
-          <p:cNvPr id="21" name="Group 20">
+          <p:cNvPr id="74" name="Group 73">
             <a:extLst>
               <a:ext uri="{FF2B5EF4-FFF2-40B4-BE49-F238E27FC236}">
-                <a16:creationId xmlns:a16="http://schemas.microsoft.com/office/drawing/2014/main" id="{33181F5E-B4C5-16A3-5F38-ACE857153C66}"/>
+                <a16:creationId xmlns:a16="http://schemas.microsoft.com/office/drawing/2014/main" id="{96595A22-51B8-0AE9-0EB2-98CE8D787E25}"/>
               </a:ext>
             </a:extLst>
           </p:cNvPr>
@@ -24692,18 +24713,18 @@
         </p:nvGrpSpPr>
         <p:grpSpPr>
           <a:xfrm>
-            <a:off x="13088143" y="3091543"/>
-            <a:ext cx="2790486" cy="1912384"/>
-            <a:chOff x="12537535" y="3037373"/>
-            <a:chExt cx="3891701" cy="2020723"/>
+            <a:off x="11036242" y="697797"/>
+            <a:ext cx="6894286" cy="6353931"/>
+            <a:chOff x="11036242" y="697797"/>
+            <a:chExt cx="6894286" cy="6353931"/>
           </a:xfrm>
         </p:grpSpPr>
         <p:sp>
           <p:nvSpPr>
-            <p:cNvPr id="20" name="Rectangle 19">
+            <p:cNvPr id="17" name="Rectangle 16">
               <a:extLst>
                 <a:ext uri="{FF2B5EF4-FFF2-40B4-BE49-F238E27FC236}">
-                  <a16:creationId xmlns:a16="http://schemas.microsoft.com/office/drawing/2014/main" id="{7DB760ED-3FF4-0A69-A8BE-215D3ABA219B}"/>
+                  <a16:creationId xmlns:a16="http://schemas.microsoft.com/office/drawing/2014/main" id="{80E7E465-7F59-338E-83DE-03684D0C5266}"/>
                 </a:ext>
               </a:extLst>
             </p:cNvPr>
@@ -24712,14 +24733,14 @@
           </p:nvSpPr>
           <p:spPr>
             <a:xfrm>
-              <a:off x="12537535" y="3037373"/>
-              <a:ext cx="3891701" cy="2020723"/>
+              <a:off x="11036242" y="697797"/>
+              <a:ext cx="6894286" cy="4364855"/>
             </a:xfrm>
             <a:prstGeom prst="rect">
               <a:avLst/>
             </a:prstGeom>
             <a:solidFill>
-              <a:srgbClr val="C00000"/>
+              <a:srgbClr val="FCEDD8"/>
             </a:solidFill>
             <a:ln>
               <a:noFill/>
@@ -24750,12 +24771,137 @@
             </a:p>
           </p:txBody>
         </p:sp>
+        <p:grpSp>
+          <p:nvGrpSpPr>
+            <p:cNvPr id="21" name="Group 20">
+              <a:extLst>
+                <a:ext uri="{FF2B5EF4-FFF2-40B4-BE49-F238E27FC236}">
+                  <a16:creationId xmlns:a16="http://schemas.microsoft.com/office/drawing/2014/main" id="{33181F5E-B4C5-16A3-5F38-ACE857153C66}"/>
+                </a:ext>
+              </a:extLst>
+            </p:cNvPr>
+            <p:cNvGrpSpPr/>
+            <p:nvPr/>
+          </p:nvGrpSpPr>
+          <p:grpSpPr>
+            <a:xfrm>
+              <a:off x="13088143" y="3091543"/>
+              <a:ext cx="2790486" cy="1912384"/>
+              <a:chOff x="12537535" y="3037373"/>
+              <a:chExt cx="3891701" cy="2020723"/>
+            </a:xfrm>
+          </p:grpSpPr>
+          <p:sp>
+            <p:nvSpPr>
+              <p:cNvPr id="20" name="Rectangle 19">
+                <a:extLst>
+                  <a:ext uri="{FF2B5EF4-FFF2-40B4-BE49-F238E27FC236}">
+                    <a16:creationId xmlns:a16="http://schemas.microsoft.com/office/drawing/2014/main" id="{7DB760ED-3FF4-0A69-A8BE-215D3ABA219B}"/>
+                  </a:ext>
+                </a:extLst>
+              </p:cNvPr>
+              <p:cNvSpPr/>
+              <p:nvPr/>
+            </p:nvSpPr>
+            <p:spPr>
+              <a:xfrm>
+                <a:off x="12537535" y="3037373"/>
+                <a:ext cx="3891701" cy="2020723"/>
+              </a:xfrm>
+              <a:prstGeom prst="rect">
+                <a:avLst/>
+              </a:prstGeom>
+              <a:solidFill>
+                <a:srgbClr val="C00000"/>
+              </a:solidFill>
+              <a:ln>
+                <a:noFill/>
+              </a:ln>
+            </p:spPr>
+            <p:style>
+              <a:lnRef idx="2">
+                <a:schemeClr val="accent1">
+                  <a:shade val="15000"/>
+                </a:schemeClr>
+              </a:lnRef>
+              <a:fillRef idx="1">
+                <a:schemeClr val="accent1"/>
+              </a:fillRef>
+              <a:effectRef idx="0">
+                <a:schemeClr val="accent1"/>
+              </a:effectRef>
+              <a:fontRef idx="minor">
+                <a:schemeClr val="lt1"/>
+              </a:fontRef>
+            </p:style>
+            <p:txBody>
+              <a:bodyPr rtlCol="0" anchor="ctr"/>
+              <a:lstStyle/>
+              <a:p>
+                <a:pPr algn="ctr"/>
+                <a:endParaRPr lang="en-US"/>
+              </a:p>
+            </p:txBody>
+          </p:sp>
+          <p:sp>
+            <p:nvSpPr>
+              <p:cNvPr id="19" name="Rectangle 18">
+                <a:extLst>
+                  <a:ext uri="{FF2B5EF4-FFF2-40B4-BE49-F238E27FC236}">
+                    <a16:creationId xmlns:a16="http://schemas.microsoft.com/office/drawing/2014/main" id="{294BA415-5469-4CD5-8947-698EDC71D87D}"/>
+                  </a:ext>
+                </a:extLst>
+              </p:cNvPr>
+              <p:cNvSpPr/>
+              <p:nvPr/>
+            </p:nvSpPr>
+            <p:spPr>
+              <a:xfrm>
+                <a:off x="12901948" y="3346729"/>
+                <a:ext cx="3162876" cy="1349096"/>
+              </a:xfrm>
+              <a:prstGeom prst="rect">
+                <a:avLst/>
+              </a:prstGeom>
+              <a:solidFill>
+                <a:srgbClr val="FCEDD8"/>
+              </a:solidFill>
+              <a:ln>
+                <a:noFill/>
+              </a:ln>
+            </p:spPr>
+            <p:style>
+              <a:lnRef idx="2">
+                <a:schemeClr val="accent1">
+                  <a:shade val="15000"/>
+                </a:schemeClr>
+              </a:lnRef>
+              <a:fillRef idx="1">
+                <a:schemeClr val="accent1"/>
+              </a:fillRef>
+              <a:effectRef idx="0">
+                <a:schemeClr val="accent1"/>
+              </a:effectRef>
+              <a:fontRef idx="minor">
+                <a:schemeClr val="lt1"/>
+              </a:fontRef>
+            </p:style>
+            <p:txBody>
+              <a:bodyPr rtlCol="0" anchor="ctr"/>
+              <a:lstStyle/>
+              <a:p>
+                <a:pPr algn="ctr"/>
+                <a:endParaRPr lang="en-US"/>
+              </a:p>
+            </p:txBody>
+          </p:sp>
+        </p:grpSp>
         <p:sp>
           <p:nvSpPr>
-            <p:cNvPr id="19" name="Rectangle 18">
+            <p:cNvPr id="12" name="Circle: Hollow 11">
               <a:extLst>
                 <a:ext uri="{FF2B5EF4-FFF2-40B4-BE49-F238E27FC236}">
-                  <a16:creationId xmlns:a16="http://schemas.microsoft.com/office/drawing/2014/main" id="{294BA415-5469-4CD5-8947-698EDC71D87D}"/>
+                  <a16:creationId xmlns:a16="http://schemas.microsoft.com/office/drawing/2014/main" id="{72A1DBC7-FB11-B6C1-99B2-7D4A6F45BA50}"/>
                 </a:ext>
               </a:extLst>
             </p:cNvPr>
@@ -24764,30 +24910,764 @@
           </p:nvSpPr>
           <p:spPr>
             <a:xfrm>
-              <a:off x="12901948" y="3346729"/>
-              <a:ext cx="3162876" cy="1349096"/>
+              <a:off x="13108514" y="4338148"/>
+              <a:ext cx="2859276" cy="1061002"/>
+            </a:xfrm>
+            <a:prstGeom prst="donut">
+              <a:avLst/>
+            </a:prstGeom>
+          </p:spPr>
+          <p:style>
+            <a:lnRef idx="2">
+              <a:schemeClr val="dk1">
+                <a:shade val="15000"/>
+              </a:schemeClr>
+            </a:lnRef>
+            <a:fillRef idx="1">
+              <a:schemeClr val="dk1"/>
+            </a:fillRef>
+            <a:effectRef idx="0">
+              <a:schemeClr val="dk1"/>
+            </a:effectRef>
+            <a:fontRef idx="minor">
+              <a:schemeClr val="lt1"/>
+            </a:fontRef>
+          </p:style>
+          <p:txBody>
+            <a:bodyPr rtlCol="0" anchor="ctr"/>
+            <a:lstStyle/>
+            <a:p>
+              <a:pPr algn="ctr"/>
+              <a:endParaRPr lang="en-US">
+                <a:solidFill>
+                  <a:schemeClr val="tx1"/>
+                </a:solidFill>
+              </a:endParaRPr>
+            </a:p>
+          </p:txBody>
+        </p:sp>
+        <p:sp>
+          <p:nvSpPr>
+            <p:cNvPr id="22" name="Rectangle 21">
+              <a:extLst>
+                <a:ext uri="{FF2B5EF4-FFF2-40B4-BE49-F238E27FC236}">
+                  <a16:creationId xmlns:a16="http://schemas.microsoft.com/office/drawing/2014/main" id="{EFFB4EEC-DE4D-EC1E-CDF4-D4AD40D73688}"/>
+                </a:ext>
+              </a:extLst>
+            </p:cNvPr>
+            <p:cNvSpPr/>
+            <p:nvPr/>
+          </p:nvSpPr>
+          <p:spPr>
+            <a:xfrm>
+              <a:off x="13105183" y="4890187"/>
+              <a:ext cx="134548" cy="1586372"/>
             </a:xfrm>
             <a:prstGeom prst="rect">
               <a:avLst/>
             </a:prstGeom>
-            <a:solidFill>
-              <a:srgbClr val="FCEDD8"/>
-            </a:solidFill>
-            <a:ln>
-              <a:noFill/>
-            </a:ln>
           </p:spPr>
           <p:style>
             <a:lnRef idx="2">
-              <a:schemeClr val="accent1">
+              <a:schemeClr val="dk1">
                 <a:shade val="15000"/>
               </a:schemeClr>
             </a:lnRef>
             <a:fillRef idx="1">
-              <a:schemeClr val="accent1"/>
+              <a:schemeClr val="dk1"/>
             </a:fillRef>
             <a:effectRef idx="0">
-              <a:schemeClr val="accent1"/>
+              <a:schemeClr val="dk1"/>
+            </a:effectRef>
+            <a:fontRef idx="minor">
+              <a:schemeClr val="lt1"/>
+            </a:fontRef>
+          </p:style>
+          <p:txBody>
+            <a:bodyPr rtlCol="0" anchor="ctr"/>
+            <a:lstStyle/>
+            <a:p>
+              <a:pPr algn="ctr"/>
+              <a:endParaRPr lang="en-US"/>
+            </a:p>
+          </p:txBody>
+        </p:sp>
+        <p:sp>
+          <p:nvSpPr>
+            <p:cNvPr id="23" name="Rectangle 22">
+              <a:extLst>
+                <a:ext uri="{FF2B5EF4-FFF2-40B4-BE49-F238E27FC236}">
+                  <a16:creationId xmlns:a16="http://schemas.microsoft.com/office/drawing/2014/main" id="{4F88448B-9201-F1CD-0096-EE2718BE8A1A}"/>
+                </a:ext>
+              </a:extLst>
+            </p:cNvPr>
+            <p:cNvSpPr/>
+            <p:nvPr/>
+          </p:nvSpPr>
+          <p:spPr>
+            <a:xfrm>
+              <a:off x="13560415" y="5099507"/>
+              <a:ext cx="134548" cy="1731779"/>
+            </a:xfrm>
+            <a:prstGeom prst="rect">
+              <a:avLst/>
+            </a:prstGeom>
+          </p:spPr>
+          <p:style>
+            <a:lnRef idx="2">
+              <a:schemeClr val="dk1">
+                <a:shade val="15000"/>
+              </a:schemeClr>
+            </a:lnRef>
+            <a:fillRef idx="1">
+              <a:schemeClr val="dk1"/>
+            </a:fillRef>
+            <a:effectRef idx="0">
+              <a:schemeClr val="dk1"/>
+            </a:effectRef>
+            <a:fontRef idx="minor">
+              <a:schemeClr val="lt1"/>
+            </a:fontRef>
+          </p:style>
+          <p:txBody>
+            <a:bodyPr rtlCol="0" anchor="ctr"/>
+            <a:lstStyle/>
+            <a:p>
+              <a:pPr algn="ctr"/>
+              <a:endParaRPr lang="en-US"/>
+            </a:p>
+          </p:txBody>
+        </p:sp>
+        <p:sp>
+          <p:nvSpPr>
+            <p:cNvPr id="35" name="Rectangle 34">
+              <a:extLst>
+                <a:ext uri="{FF2B5EF4-FFF2-40B4-BE49-F238E27FC236}">
+                  <a16:creationId xmlns:a16="http://schemas.microsoft.com/office/drawing/2014/main" id="{F17B53CD-0B3C-A834-3CEC-842E7FE5E5B8}"/>
+                </a:ext>
+              </a:extLst>
+            </p:cNvPr>
+            <p:cNvSpPr/>
+            <p:nvPr/>
+          </p:nvSpPr>
+          <p:spPr>
+            <a:xfrm>
+              <a:off x="14015647" y="5309080"/>
+              <a:ext cx="134548" cy="1731779"/>
+            </a:xfrm>
+            <a:prstGeom prst="rect">
+              <a:avLst/>
+            </a:prstGeom>
+          </p:spPr>
+          <p:style>
+            <a:lnRef idx="2">
+              <a:schemeClr val="dk1">
+                <a:shade val="15000"/>
+              </a:schemeClr>
+            </a:lnRef>
+            <a:fillRef idx="1">
+              <a:schemeClr val="dk1"/>
+            </a:fillRef>
+            <a:effectRef idx="0">
+              <a:schemeClr val="dk1"/>
+            </a:effectRef>
+            <a:fontRef idx="minor">
+              <a:schemeClr val="lt1"/>
+            </a:fontRef>
+          </p:style>
+          <p:txBody>
+            <a:bodyPr rtlCol="0" anchor="ctr"/>
+            <a:lstStyle/>
+            <a:p>
+              <a:pPr algn="ctr"/>
+              <a:endParaRPr lang="en-US"/>
+            </a:p>
+          </p:txBody>
+        </p:sp>
+        <p:sp>
+          <p:nvSpPr>
+            <p:cNvPr id="43" name="Rectangle 42">
+              <a:extLst>
+                <a:ext uri="{FF2B5EF4-FFF2-40B4-BE49-F238E27FC236}">
+                  <a16:creationId xmlns:a16="http://schemas.microsoft.com/office/drawing/2014/main" id="{9BC6A296-D5D6-F753-E334-5E184C894613}"/>
+                </a:ext>
+              </a:extLst>
+            </p:cNvPr>
+            <p:cNvSpPr/>
+            <p:nvPr/>
+          </p:nvSpPr>
+          <p:spPr>
+            <a:xfrm>
+              <a:off x="14470879" y="5319949"/>
+              <a:ext cx="134548" cy="1731779"/>
+            </a:xfrm>
+            <a:prstGeom prst="rect">
+              <a:avLst/>
+            </a:prstGeom>
+          </p:spPr>
+          <p:style>
+            <a:lnRef idx="2">
+              <a:schemeClr val="dk1">
+                <a:shade val="15000"/>
+              </a:schemeClr>
+            </a:lnRef>
+            <a:fillRef idx="1">
+              <a:schemeClr val="dk1"/>
+            </a:fillRef>
+            <a:effectRef idx="0">
+              <a:schemeClr val="dk1"/>
+            </a:effectRef>
+            <a:fontRef idx="minor">
+              <a:schemeClr val="lt1"/>
+            </a:fontRef>
+          </p:style>
+          <p:txBody>
+            <a:bodyPr rtlCol="0" anchor="ctr"/>
+            <a:lstStyle/>
+            <a:p>
+              <a:pPr algn="ctr"/>
+              <a:endParaRPr lang="en-US"/>
+            </a:p>
+          </p:txBody>
+        </p:sp>
+        <p:sp>
+          <p:nvSpPr>
+            <p:cNvPr id="44" name="Rectangle 43">
+              <a:extLst>
+                <a:ext uri="{FF2B5EF4-FFF2-40B4-BE49-F238E27FC236}">
+                  <a16:creationId xmlns:a16="http://schemas.microsoft.com/office/drawing/2014/main" id="{EB504718-3CBB-0DEC-9CF7-764F9D9A9D2F}"/>
+                </a:ext>
+              </a:extLst>
+            </p:cNvPr>
+            <p:cNvSpPr/>
+            <p:nvPr/>
+          </p:nvSpPr>
+          <p:spPr>
+            <a:xfrm>
+              <a:off x="14926111" y="5305612"/>
+              <a:ext cx="134548" cy="1731779"/>
+            </a:xfrm>
+            <a:prstGeom prst="rect">
+              <a:avLst/>
+            </a:prstGeom>
+          </p:spPr>
+          <p:style>
+            <a:lnRef idx="2">
+              <a:schemeClr val="dk1">
+                <a:shade val="15000"/>
+              </a:schemeClr>
+            </a:lnRef>
+            <a:fillRef idx="1">
+              <a:schemeClr val="dk1"/>
+            </a:fillRef>
+            <a:effectRef idx="0">
+              <a:schemeClr val="dk1"/>
+            </a:effectRef>
+            <a:fontRef idx="minor">
+              <a:schemeClr val="lt1"/>
+            </a:fontRef>
+          </p:style>
+          <p:txBody>
+            <a:bodyPr rtlCol="0" anchor="ctr"/>
+            <a:lstStyle/>
+            <a:p>
+              <a:pPr algn="ctr"/>
+              <a:endParaRPr lang="en-US"/>
+            </a:p>
+          </p:txBody>
+        </p:sp>
+        <p:sp>
+          <p:nvSpPr>
+            <p:cNvPr id="49" name="Rectangle 48">
+              <a:extLst>
+                <a:ext uri="{FF2B5EF4-FFF2-40B4-BE49-F238E27FC236}">
+                  <a16:creationId xmlns:a16="http://schemas.microsoft.com/office/drawing/2014/main" id="{424FCE1D-A173-2697-88BE-2CEF699AA630}"/>
+                </a:ext>
+              </a:extLst>
+            </p:cNvPr>
+            <p:cNvSpPr/>
+            <p:nvPr/>
+          </p:nvSpPr>
+          <p:spPr>
+            <a:xfrm>
+              <a:off x="15381343" y="5123668"/>
+              <a:ext cx="134548" cy="1731779"/>
+            </a:xfrm>
+            <a:prstGeom prst="rect">
+              <a:avLst/>
+            </a:prstGeom>
+          </p:spPr>
+          <p:style>
+            <a:lnRef idx="2">
+              <a:schemeClr val="dk1">
+                <a:shade val="15000"/>
+              </a:schemeClr>
+            </a:lnRef>
+            <a:fillRef idx="1">
+              <a:schemeClr val="dk1"/>
+            </a:fillRef>
+            <a:effectRef idx="0">
+              <a:schemeClr val="dk1"/>
+            </a:effectRef>
+            <a:fontRef idx="minor">
+              <a:schemeClr val="lt1"/>
+            </a:fontRef>
+          </p:style>
+          <p:txBody>
+            <a:bodyPr rtlCol="0" anchor="ctr"/>
+            <a:lstStyle/>
+            <a:p>
+              <a:pPr algn="ctr"/>
+              <a:endParaRPr lang="en-US"/>
+            </a:p>
+          </p:txBody>
+        </p:sp>
+        <p:sp>
+          <p:nvSpPr>
+            <p:cNvPr id="51" name="Rectangle 50">
+              <a:extLst>
+                <a:ext uri="{FF2B5EF4-FFF2-40B4-BE49-F238E27FC236}">
+                  <a16:creationId xmlns:a16="http://schemas.microsoft.com/office/drawing/2014/main" id="{25979731-7F4C-33A8-DB91-B5D5EFD6F231}"/>
+                </a:ext>
+              </a:extLst>
+            </p:cNvPr>
+            <p:cNvSpPr/>
+            <p:nvPr/>
+          </p:nvSpPr>
+          <p:spPr>
+            <a:xfrm>
+              <a:off x="15836573" y="4866187"/>
+              <a:ext cx="134548" cy="1586372"/>
+            </a:xfrm>
+            <a:prstGeom prst="rect">
+              <a:avLst/>
+            </a:prstGeom>
+          </p:spPr>
+          <p:style>
+            <a:lnRef idx="2">
+              <a:schemeClr val="dk1">
+                <a:shade val="15000"/>
+              </a:schemeClr>
+            </a:lnRef>
+            <a:fillRef idx="1">
+              <a:schemeClr val="dk1"/>
+            </a:fillRef>
+            <a:effectRef idx="0">
+              <a:schemeClr val="dk1"/>
+            </a:effectRef>
+            <a:fontRef idx="minor">
+              <a:schemeClr val="lt1"/>
+            </a:fontRef>
+          </p:style>
+          <p:txBody>
+            <a:bodyPr rtlCol="0" anchor="ctr"/>
+            <a:lstStyle/>
+            <a:p>
+              <a:pPr algn="ctr"/>
+              <a:endParaRPr lang="en-US"/>
+            </a:p>
+          </p:txBody>
+        </p:sp>
+        <p:sp>
+          <p:nvSpPr>
+            <p:cNvPr id="57" name="Rectangle 56">
+              <a:extLst>
+                <a:ext uri="{FF2B5EF4-FFF2-40B4-BE49-F238E27FC236}">
+                  <a16:creationId xmlns:a16="http://schemas.microsoft.com/office/drawing/2014/main" id="{209E964C-F21F-3833-D740-0D052079E2FC}"/>
+                </a:ext>
+              </a:extLst>
+            </p:cNvPr>
+            <p:cNvSpPr/>
+            <p:nvPr/>
+          </p:nvSpPr>
+          <p:spPr>
+            <a:xfrm rot="2700000">
+              <a:off x="13324576" y="5033546"/>
+              <a:ext cx="134548" cy="607457"/>
+            </a:xfrm>
+            <a:prstGeom prst="rect">
+              <a:avLst/>
+            </a:prstGeom>
+          </p:spPr>
+          <p:style>
+            <a:lnRef idx="2">
+              <a:schemeClr val="dk1">
+                <a:shade val="15000"/>
+              </a:schemeClr>
+            </a:lnRef>
+            <a:fillRef idx="1">
+              <a:schemeClr val="dk1"/>
+            </a:fillRef>
+            <a:effectRef idx="0">
+              <a:schemeClr val="dk1"/>
+            </a:effectRef>
+            <a:fontRef idx="minor">
+              <a:schemeClr val="lt1"/>
+            </a:fontRef>
+          </p:style>
+          <p:txBody>
+            <a:bodyPr rtlCol="0" anchor="ctr"/>
+            <a:lstStyle/>
+            <a:p>
+              <a:pPr algn="ctr"/>
+              <a:endParaRPr lang="en-US"/>
+            </a:p>
+          </p:txBody>
+        </p:sp>
+        <p:sp>
+          <p:nvSpPr>
+            <p:cNvPr id="59" name="Rectangle 58">
+              <a:extLst>
+                <a:ext uri="{FF2B5EF4-FFF2-40B4-BE49-F238E27FC236}">
+                  <a16:creationId xmlns:a16="http://schemas.microsoft.com/office/drawing/2014/main" id="{4F488621-320B-A565-4B8B-A825805DC34F}"/>
+                </a:ext>
+              </a:extLst>
+            </p:cNvPr>
+            <p:cNvSpPr/>
+            <p:nvPr/>
+          </p:nvSpPr>
+          <p:spPr>
+            <a:xfrm rot="2700000">
+              <a:off x="13473528" y="5071031"/>
+              <a:ext cx="134548" cy="1089484"/>
+            </a:xfrm>
+            <a:prstGeom prst="rect">
+              <a:avLst/>
+            </a:prstGeom>
+          </p:spPr>
+          <p:style>
+            <a:lnRef idx="2">
+              <a:schemeClr val="dk1">
+                <a:shade val="15000"/>
+              </a:schemeClr>
+            </a:lnRef>
+            <a:fillRef idx="1">
+              <a:schemeClr val="dk1"/>
+            </a:fillRef>
+            <a:effectRef idx="0">
+              <a:schemeClr val="dk1"/>
+            </a:effectRef>
+            <a:fontRef idx="minor">
+              <a:schemeClr val="lt1"/>
+            </a:fontRef>
+          </p:style>
+          <p:txBody>
+            <a:bodyPr rtlCol="0" anchor="ctr"/>
+            <a:lstStyle/>
+            <a:p>
+              <a:pPr algn="ctr"/>
+              <a:endParaRPr lang="en-US"/>
+            </a:p>
+          </p:txBody>
+        </p:sp>
+        <p:sp>
+          <p:nvSpPr>
+            <p:cNvPr id="66" name="Rectangle 65">
+              <a:extLst>
+                <a:ext uri="{FF2B5EF4-FFF2-40B4-BE49-F238E27FC236}">
+                  <a16:creationId xmlns:a16="http://schemas.microsoft.com/office/drawing/2014/main" id="{C99CF20B-AC85-6725-2DC5-E207BA7BDD1D}"/>
+                </a:ext>
+              </a:extLst>
+            </p:cNvPr>
+            <p:cNvSpPr/>
+            <p:nvPr/>
+          </p:nvSpPr>
+          <p:spPr>
+            <a:xfrm rot="2700000">
+              <a:off x="13682540" y="5052074"/>
+              <a:ext cx="134548" cy="1619933"/>
+            </a:xfrm>
+            <a:prstGeom prst="rect">
+              <a:avLst/>
+            </a:prstGeom>
+          </p:spPr>
+          <p:style>
+            <a:lnRef idx="2">
+              <a:schemeClr val="dk1">
+                <a:shade val="15000"/>
+              </a:schemeClr>
+            </a:lnRef>
+            <a:fillRef idx="1">
+              <a:schemeClr val="dk1"/>
+            </a:fillRef>
+            <a:effectRef idx="0">
+              <a:schemeClr val="dk1"/>
+            </a:effectRef>
+            <a:fontRef idx="minor">
+              <a:schemeClr val="lt1"/>
+            </a:fontRef>
+          </p:style>
+          <p:txBody>
+            <a:bodyPr rtlCol="0" anchor="ctr"/>
+            <a:lstStyle/>
+            <a:p>
+              <a:pPr algn="ctr"/>
+              <a:endParaRPr lang="en-US"/>
+            </a:p>
+          </p:txBody>
+        </p:sp>
+        <p:sp>
+          <p:nvSpPr>
+            <p:cNvPr id="68" name="Rectangle 67">
+              <a:extLst>
+                <a:ext uri="{FF2B5EF4-FFF2-40B4-BE49-F238E27FC236}">
+                  <a16:creationId xmlns:a16="http://schemas.microsoft.com/office/drawing/2014/main" id="{A5F4D119-B8B7-2EE9-10E6-7D51129E7589}"/>
+                </a:ext>
+              </a:extLst>
+            </p:cNvPr>
+            <p:cNvSpPr/>
+            <p:nvPr/>
+          </p:nvSpPr>
+          <p:spPr>
+            <a:xfrm rot="2700000">
+              <a:off x="13945072" y="5033647"/>
+              <a:ext cx="134548" cy="1931705"/>
+            </a:xfrm>
+            <a:prstGeom prst="rect">
+              <a:avLst/>
+            </a:prstGeom>
+          </p:spPr>
+          <p:style>
+            <a:lnRef idx="2">
+              <a:schemeClr val="dk1">
+                <a:shade val="15000"/>
+              </a:schemeClr>
+            </a:lnRef>
+            <a:fillRef idx="1">
+              <a:schemeClr val="dk1"/>
+            </a:fillRef>
+            <a:effectRef idx="0">
+              <a:schemeClr val="dk1"/>
+            </a:effectRef>
+            <a:fontRef idx="minor">
+              <a:schemeClr val="lt1"/>
+            </a:fontRef>
+          </p:style>
+          <p:txBody>
+            <a:bodyPr rtlCol="0" anchor="ctr"/>
+            <a:lstStyle/>
+            <a:p>
+              <a:pPr algn="ctr"/>
+              <a:endParaRPr lang="en-US"/>
+            </a:p>
+          </p:txBody>
+        </p:sp>
+        <p:sp>
+          <p:nvSpPr>
+            <p:cNvPr id="69" name="Rectangle 68">
+              <a:extLst>
+                <a:ext uri="{FF2B5EF4-FFF2-40B4-BE49-F238E27FC236}">
+                  <a16:creationId xmlns:a16="http://schemas.microsoft.com/office/drawing/2014/main" id="{6073E729-6764-8B0D-332F-FCBBB2C0A841}"/>
+                </a:ext>
+              </a:extLst>
+            </p:cNvPr>
+            <p:cNvSpPr/>
+            <p:nvPr/>
+          </p:nvSpPr>
+          <p:spPr>
+            <a:xfrm rot="2700000">
+              <a:off x="14384970" y="4895976"/>
+              <a:ext cx="134548" cy="2332521"/>
+            </a:xfrm>
+            <a:prstGeom prst="rect">
+              <a:avLst/>
+            </a:prstGeom>
+          </p:spPr>
+          <p:style>
+            <a:lnRef idx="2">
+              <a:schemeClr val="dk1">
+                <a:shade val="15000"/>
+              </a:schemeClr>
+            </a:lnRef>
+            <a:fillRef idx="1">
+              <a:schemeClr val="dk1"/>
+            </a:fillRef>
+            <a:effectRef idx="0">
+              <a:schemeClr val="dk1"/>
+            </a:effectRef>
+            <a:fontRef idx="minor">
+              <a:schemeClr val="lt1"/>
+            </a:fontRef>
+          </p:style>
+          <p:txBody>
+            <a:bodyPr rtlCol="0" anchor="ctr"/>
+            <a:lstStyle/>
+            <a:p>
+              <a:pPr algn="ctr"/>
+              <a:endParaRPr lang="en-US"/>
+            </a:p>
+          </p:txBody>
+        </p:sp>
+        <p:sp>
+          <p:nvSpPr>
+            <p:cNvPr id="70" name="Rectangle 69">
+              <a:extLst>
+                <a:ext uri="{FF2B5EF4-FFF2-40B4-BE49-F238E27FC236}">
+                  <a16:creationId xmlns:a16="http://schemas.microsoft.com/office/drawing/2014/main" id="{BFE38DA3-82A3-0945-F5C8-CAD267816BF3}"/>
+                </a:ext>
+              </a:extLst>
+            </p:cNvPr>
+            <p:cNvSpPr/>
+            <p:nvPr/>
+          </p:nvSpPr>
+          <p:spPr>
+            <a:xfrm rot="2700000">
+              <a:off x="14859659" y="4738476"/>
+              <a:ext cx="134548" cy="2644155"/>
+            </a:xfrm>
+            <a:prstGeom prst="rect">
+              <a:avLst/>
+            </a:prstGeom>
+          </p:spPr>
+          <p:style>
+            <a:lnRef idx="2">
+              <a:schemeClr val="dk1">
+                <a:shade val="15000"/>
+              </a:schemeClr>
+            </a:lnRef>
+            <a:fillRef idx="1">
+              <a:schemeClr val="dk1"/>
+            </a:fillRef>
+            <a:effectRef idx="0">
+              <a:schemeClr val="dk1"/>
+            </a:effectRef>
+            <a:fontRef idx="minor">
+              <a:schemeClr val="lt1"/>
+            </a:fontRef>
+          </p:style>
+          <p:txBody>
+            <a:bodyPr rtlCol="0" anchor="ctr"/>
+            <a:lstStyle/>
+            <a:p>
+              <a:pPr algn="ctr"/>
+              <a:endParaRPr lang="en-US"/>
+            </a:p>
+          </p:txBody>
+        </p:sp>
+        <p:sp>
+          <p:nvSpPr>
+            <p:cNvPr id="71" name="Rectangle 70">
+              <a:extLst>
+                <a:ext uri="{FF2B5EF4-FFF2-40B4-BE49-F238E27FC236}">
+                  <a16:creationId xmlns:a16="http://schemas.microsoft.com/office/drawing/2014/main" id="{3B29C4F5-E6CE-B679-E0CC-D5B0F6BC7529}"/>
+                </a:ext>
+              </a:extLst>
+            </p:cNvPr>
+            <p:cNvSpPr/>
+            <p:nvPr/>
+          </p:nvSpPr>
+          <p:spPr>
+            <a:xfrm rot="2700000">
+              <a:off x="15043921" y="5225710"/>
+              <a:ext cx="134548" cy="2203308"/>
+            </a:xfrm>
+            <a:prstGeom prst="rect">
+              <a:avLst/>
+            </a:prstGeom>
+          </p:spPr>
+          <p:style>
+            <a:lnRef idx="2">
+              <a:schemeClr val="dk1">
+                <a:shade val="15000"/>
+              </a:schemeClr>
+            </a:lnRef>
+            <a:fillRef idx="1">
+              <a:schemeClr val="dk1"/>
+            </a:fillRef>
+            <a:effectRef idx="0">
+              <a:schemeClr val="dk1"/>
+            </a:effectRef>
+            <a:fontRef idx="minor">
+              <a:schemeClr val="lt1"/>
+            </a:fontRef>
+          </p:style>
+          <p:txBody>
+            <a:bodyPr rtlCol="0" anchor="ctr"/>
+            <a:lstStyle/>
+            <a:p>
+              <a:pPr algn="ctr"/>
+              <a:endParaRPr lang="en-US"/>
+            </a:p>
+          </p:txBody>
+        </p:sp>
+        <p:sp>
+          <p:nvSpPr>
+            <p:cNvPr id="72" name="Rectangle 71">
+              <a:extLst>
+                <a:ext uri="{FF2B5EF4-FFF2-40B4-BE49-F238E27FC236}">
+                  <a16:creationId xmlns:a16="http://schemas.microsoft.com/office/drawing/2014/main" id="{E0CFA1AD-F752-2B8D-260C-441874924968}"/>
+                </a:ext>
+              </a:extLst>
+            </p:cNvPr>
+            <p:cNvSpPr/>
+            <p:nvPr/>
+          </p:nvSpPr>
+          <p:spPr>
+            <a:xfrm rot="2700000">
+              <a:off x="15326084" y="5829932"/>
+              <a:ext cx="134548" cy="1441959"/>
+            </a:xfrm>
+            <a:prstGeom prst="rect">
+              <a:avLst/>
+            </a:prstGeom>
+          </p:spPr>
+          <p:style>
+            <a:lnRef idx="2">
+              <a:schemeClr val="dk1">
+                <a:shade val="15000"/>
+              </a:schemeClr>
+            </a:lnRef>
+            <a:fillRef idx="1">
+              <a:schemeClr val="dk1"/>
+            </a:fillRef>
+            <a:effectRef idx="0">
+              <a:schemeClr val="dk1"/>
+            </a:effectRef>
+            <a:fontRef idx="minor">
+              <a:schemeClr val="lt1"/>
+            </a:fontRef>
+          </p:style>
+          <p:txBody>
+            <a:bodyPr rtlCol="0" anchor="ctr"/>
+            <a:lstStyle/>
+            <a:p>
+              <a:pPr algn="ctr"/>
+              <a:endParaRPr lang="en-US"/>
+            </a:p>
+          </p:txBody>
+        </p:sp>
+        <p:sp>
+          <p:nvSpPr>
+            <p:cNvPr id="73" name="Rectangle 72">
+              <a:extLst>
+                <a:ext uri="{FF2B5EF4-FFF2-40B4-BE49-F238E27FC236}">
+                  <a16:creationId xmlns:a16="http://schemas.microsoft.com/office/drawing/2014/main" id="{E4680E54-C27A-4A24-A5C9-898A7779E9CE}"/>
+                </a:ext>
+              </a:extLst>
+            </p:cNvPr>
+            <p:cNvSpPr/>
+            <p:nvPr/>
+          </p:nvSpPr>
+          <p:spPr>
+            <a:xfrm rot="2700000">
+              <a:off x="15619771" y="6318078"/>
+              <a:ext cx="134548" cy="704028"/>
+            </a:xfrm>
+            <a:prstGeom prst="rect">
+              <a:avLst/>
+            </a:prstGeom>
+          </p:spPr>
+          <p:style>
+            <a:lnRef idx="2">
+              <a:schemeClr val="dk1">
+                <a:shade val="15000"/>
+              </a:schemeClr>
+            </a:lnRef>
+            <a:fillRef idx="1">
+              <a:schemeClr val="dk1"/>
+            </a:fillRef>
+            <a:effectRef idx="0">
+              <a:schemeClr val="dk1"/>
             </a:effectRef>
             <a:fontRef idx="minor">
               <a:schemeClr val="lt1"/>

--- a/Documents/licart.pptx
+++ b/Documents/licart.pptx
@@ -248,7 +248,7 @@
           <a:p>
             <a:fld id="{89118853-9688-4D3D-BC78-5C03EB5BD2E8}" type="datetimeFigureOut">
               <a:rPr lang="en-US" smtClean="0"/>
-              <a:t>6/2/2025</a:t>
+              <a:t>6/4/2025</a:t>
             </a:fld>
             <a:endParaRPr lang="en-US"/>
           </a:p>
@@ -418,7 +418,7 @@
           <a:p>
             <a:fld id="{89118853-9688-4D3D-BC78-5C03EB5BD2E8}" type="datetimeFigureOut">
               <a:rPr lang="en-US" smtClean="0"/>
-              <a:t>6/2/2025</a:t>
+              <a:t>6/4/2025</a:t>
             </a:fld>
             <a:endParaRPr lang="en-US"/>
           </a:p>
@@ -598,7 +598,7 @@
           <a:p>
             <a:fld id="{89118853-9688-4D3D-BC78-5C03EB5BD2E8}" type="datetimeFigureOut">
               <a:rPr lang="en-US" smtClean="0"/>
-              <a:t>6/2/2025</a:t>
+              <a:t>6/4/2025</a:t>
             </a:fld>
             <a:endParaRPr lang="en-US"/>
           </a:p>
@@ -768,7 +768,7 @@
           <a:p>
             <a:fld id="{89118853-9688-4D3D-BC78-5C03EB5BD2E8}" type="datetimeFigureOut">
               <a:rPr lang="en-US" smtClean="0"/>
-              <a:t>6/2/2025</a:t>
+              <a:t>6/4/2025</a:t>
             </a:fld>
             <a:endParaRPr lang="en-US"/>
           </a:p>
@@ -1014,7 +1014,7 @@
           <a:p>
             <a:fld id="{89118853-9688-4D3D-BC78-5C03EB5BD2E8}" type="datetimeFigureOut">
               <a:rPr lang="en-US" smtClean="0"/>
-              <a:t>6/2/2025</a:t>
+              <a:t>6/4/2025</a:t>
             </a:fld>
             <a:endParaRPr lang="en-US"/>
           </a:p>
@@ -1246,7 +1246,7 @@
           <a:p>
             <a:fld id="{89118853-9688-4D3D-BC78-5C03EB5BD2E8}" type="datetimeFigureOut">
               <a:rPr lang="en-US" smtClean="0"/>
-              <a:t>6/2/2025</a:t>
+              <a:t>6/4/2025</a:t>
             </a:fld>
             <a:endParaRPr lang="en-US"/>
           </a:p>
@@ -1613,7 +1613,7 @@
           <a:p>
             <a:fld id="{89118853-9688-4D3D-BC78-5C03EB5BD2E8}" type="datetimeFigureOut">
               <a:rPr lang="en-US" smtClean="0"/>
-              <a:t>6/2/2025</a:t>
+              <a:t>6/4/2025</a:t>
             </a:fld>
             <a:endParaRPr lang="en-US"/>
           </a:p>
@@ -1731,7 +1731,7 @@
           <a:p>
             <a:fld id="{89118853-9688-4D3D-BC78-5C03EB5BD2E8}" type="datetimeFigureOut">
               <a:rPr lang="en-US" smtClean="0"/>
-              <a:t>6/2/2025</a:t>
+              <a:t>6/4/2025</a:t>
             </a:fld>
             <a:endParaRPr lang="en-US"/>
           </a:p>
@@ -1826,7 +1826,7 @@
           <a:p>
             <a:fld id="{89118853-9688-4D3D-BC78-5C03EB5BD2E8}" type="datetimeFigureOut">
               <a:rPr lang="en-US" smtClean="0"/>
-              <a:t>6/2/2025</a:t>
+              <a:t>6/4/2025</a:t>
             </a:fld>
             <a:endParaRPr lang="en-US"/>
           </a:p>
@@ -2103,7 +2103,7 @@
           <a:p>
             <a:fld id="{89118853-9688-4D3D-BC78-5C03EB5BD2E8}" type="datetimeFigureOut">
               <a:rPr lang="en-US" smtClean="0"/>
-              <a:t>6/2/2025</a:t>
+              <a:t>6/4/2025</a:t>
             </a:fld>
             <a:endParaRPr lang="en-US"/>
           </a:p>
@@ -2360,7 +2360,7 @@
           <a:p>
             <a:fld id="{89118853-9688-4D3D-BC78-5C03EB5BD2E8}" type="datetimeFigureOut">
               <a:rPr lang="en-US" smtClean="0"/>
-              <a:t>6/2/2025</a:t>
+              <a:t>6/4/2025</a:t>
             </a:fld>
             <a:endParaRPr lang="en-US"/>
           </a:p>
@@ -2573,7 +2573,7 @@
           <a:p>
             <a:fld id="{89118853-9688-4D3D-BC78-5C03EB5BD2E8}" type="datetimeFigureOut">
               <a:rPr lang="en-US" smtClean="0"/>
-              <a:t>6/2/2025</a:t>
+              <a:t>6/4/2025</a:t>
             </a:fld>
             <a:endParaRPr lang="en-US"/>
           </a:p>
@@ -22457,7 +22457,7 @@
             <a:avLst/>
           </a:prstGeom>
           <a:solidFill>
-            <a:srgbClr val="F9E1BD"/>
+            <a:srgbClr val="F6D3A0"/>
           </a:solidFill>
           <a:ln>
             <a:noFill/>
